--- a/figures/Figure 2.pptx
+++ b/figures/Figure 2.pptx
@@ -2,18 +2,18 @@
 <file path=ppt/presentation.xml><?xml version="1.0" encoding="utf-8"?>
 <p:presentation xmlns:a="http://schemas.openxmlformats.org/drawingml/2006/main" xmlns:r="http://schemas.openxmlformats.org/officeDocument/2006/relationships" xmlns:p="http://schemas.openxmlformats.org/presentationml/2006/main" saveSubsetFonts="1" autoCompressPictures="0">
   <p:sldMasterIdLst>
-    <p:sldMasterId id="2147483648" r:id="rId1"/>
+    <p:sldMasterId id="2147483660" r:id="rId1"/>
   </p:sldMasterIdLst>
   <p:sldIdLst>
     <p:sldId id="256" r:id="rId2"/>
   </p:sldIdLst>
-  <p:sldSz cx="12192000" cy="6858000"/>
+  <p:sldSz cx="6858000" cy="9144000" type="screen4x3"/>
   <p:notesSz cx="6858000" cy="9144000"/>
   <p:defaultTextStyle>
     <a:defPPr>
       <a:defRPr lang="en-US"/>
     </a:defPPr>
-    <a:lvl1pPr marL="0" algn="l" defTabSz="914400" rtl="0" eaLnBrk="1" latinLnBrk="0" hangingPunct="1">
+    <a:lvl1pPr marL="0" algn="l" defTabSz="457200" rtl="0" eaLnBrk="1" latinLnBrk="0" hangingPunct="1">
       <a:defRPr sz="1800" kern="1200">
         <a:solidFill>
           <a:schemeClr val="tx1"/>
@@ -23,7 +23,7 @@
         <a:cs typeface="+mn-cs"/>
       </a:defRPr>
     </a:lvl1pPr>
-    <a:lvl2pPr marL="457200" algn="l" defTabSz="914400" rtl="0" eaLnBrk="1" latinLnBrk="0" hangingPunct="1">
+    <a:lvl2pPr marL="457200" algn="l" defTabSz="457200" rtl="0" eaLnBrk="1" latinLnBrk="0" hangingPunct="1">
       <a:defRPr sz="1800" kern="1200">
         <a:solidFill>
           <a:schemeClr val="tx1"/>
@@ -33,7 +33,7 @@
         <a:cs typeface="+mn-cs"/>
       </a:defRPr>
     </a:lvl2pPr>
-    <a:lvl3pPr marL="914400" algn="l" defTabSz="914400" rtl="0" eaLnBrk="1" latinLnBrk="0" hangingPunct="1">
+    <a:lvl3pPr marL="914400" algn="l" defTabSz="457200" rtl="0" eaLnBrk="1" latinLnBrk="0" hangingPunct="1">
       <a:defRPr sz="1800" kern="1200">
         <a:solidFill>
           <a:schemeClr val="tx1"/>
@@ -43,7 +43,7 @@
         <a:cs typeface="+mn-cs"/>
       </a:defRPr>
     </a:lvl3pPr>
-    <a:lvl4pPr marL="1371600" algn="l" defTabSz="914400" rtl="0" eaLnBrk="1" latinLnBrk="0" hangingPunct="1">
+    <a:lvl4pPr marL="1371600" algn="l" defTabSz="457200" rtl="0" eaLnBrk="1" latinLnBrk="0" hangingPunct="1">
       <a:defRPr sz="1800" kern="1200">
         <a:solidFill>
           <a:schemeClr val="tx1"/>
@@ -53,7 +53,7 @@
         <a:cs typeface="+mn-cs"/>
       </a:defRPr>
     </a:lvl4pPr>
-    <a:lvl5pPr marL="1828800" algn="l" defTabSz="914400" rtl="0" eaLnBrk="1" latinLnBrk="0" hangingPunct="1">
+    <a:lvl5pPr marL="1828800" algn="l" defTabSz="457200" rtl="0" eaLnBrk="1" latinLnBrk="0" hangingPunct="1">
       <a:defRPr sz="1800" kern="1200">
         <a:solidFill>
           <a:schemeClr val="tx1"/>
@@ -63,7 +63,7 @@
         <a:cs typeface="+mn-cs"/>
       </a:defRPr>
     </a:lvl5pPr>
-    <a:lvl6pPr marL="2286000" algn="l" defTabSz="914400" rtl="0" eaLnBrk="1" latinLnBrk="0" hangingPunct="1">
+    <a:lvl6pPr marL="2286000" algn="l" defTabSz="457200" rtl="0" eaLnBrk="1" latinLnBrk="0" hangingPunct="1">
       <a:defRPr sz="1800" kern="1200">
         <a:solidFill>
           <a:schemeClr val="tx1"/>
@@ -73,7 +73,7 @@
         <a:cs typeface="+mn-cs"/>
       </a:defRPr>
     </a:lvl6pPr>
-    <a:lvl7pPr marL="2743200" algn="l" defTabSz="914400" rtl="0" eaLnBrk="1" latinLnBrk="0" hangingPunct="1">
+    <a:lvl7pPr marL="2743200" algn="l" defTabSz="457200" rtl="0" eaLnBrk="1" latinLnBrk="0" hangingPunct="1">
       <a:defRPr sz="1800" kern="1200">
         <a:solidFill>
           <a:schemeClr val="tx1"/>
@@ -83,7 +83,7 @@
         <a:cs typeface="+mn-cs"/>
       </a:defRPr>
     </a:lvl7pPr>
-    <a:lvl8pPr marL="3200400" algn="l" defTabSz="914400" rtl="0" eaLnBrk="1" latinLnBrk="0" hangingPunct="1">
+    <a:lvl8pPr marL="3200400" algn="l" defTabSz="457200" rtl="0" eaLnBrk="1" latinLnBrk="0" hangingPunct="1">
       <a:defRPr sz="1800" kern="1200">
         <a:solidFill>
           <a:schemeClr val="tx1"/>
@@ -93,7 +93,7 @@
         <a:cs typeface="+mn-cs"/>
       </a:defRPr>
     </a:lvl8pPr>
-    <a:lvl9pPr marL="3657600" algn="l" defTabSz="914400" rtl="0" eaLnBrk="1" latinLnBrk="0" hangingPunct="1">
+    <a:lvl9pPr marL="3657600" algn="l" defTabSz="457200" rtl="0" eaLnBrk="1" latinLnBrk="0" hangingPunct="1">
       <a:defRPr sz="1800" kern="1200">
         <a:solidFill>
           <a:schemeClr val="tx1"/>
@@ -104,6 +104,11 @@
       </a:defRPr>
     </a:lvl9pPr>
   </p:defaultTextStyle>
+  <p:extLst>
+    <p:ext uri="{EFAFB233-063F-42B5-8137-9DF3F51BA10A}">
+      <p15:sldGuideLst xmlns:p15="http://schemas.microsoft.com/office/powerpoint/2012/main"/>
+    </p:ext>
+  </p:extLst>
 </p:presentation>
 </file>
 
@@ -126,13 +131,7 @@
       </p:grpSpPr>
       <p:sp>
         <p:nvSpPr>
-          <p:cNvPr id="2" name="Title 1">
-            <a:extLst>
-              <a:ext uri="{FF2B5EF4-FFF2-40B4-BE49-F238E27FC236}">
-                <a16:creationId xmlns:a16="http://schemas.microsoft.com/office/drawing/2014/main" id="{A0D8F02B-0653-FB47-9AE5-93E206E33521}"/>
-              </a:ext>
-            </a:extLst>
-          </p:cNvPr>
+          <p:cNvPr id="2" name="Title 1"/>
           <p:cNvSpPr>
             <a:spLocks noGrp="1"/>
           </p:cNvSpPr>
@@ -142,15 +141,15 @@
         </p:nvSpPr>
         <p:spPr>
           <a:xfrm>
-            <a:off x="1524000" y="1122363"/>
-            <a:ext cx="9144000" cy="2387600"/>
+            <a:off x="514350" y="1496484"/>
+            <a:ext cx="5829300" cy="3183467"/>
           </a:xfrm>
         </p:spPr>
         <p:txBody>
           <a:bodyPr anchor="b"/>
           <a:lstStyle>
             <a:lvl1pPr algn="ctr">
-              <a:defRPr sz="6000"/>
+              <a:defRPr sz="4500"/>
             </a:lvl1pPr>
           </a:lstStyle>
           <a:p>
@@ -158,18 +157,13 @@
               <a:rPr lang="en-US"/>
               <a:t>Click to edit Master title style</a:t>
             </a:r>
-          </a:p>
-        </p:txBody>
-      </p:sp>
-      <p:sp>
-        <p:nvSpPr>
-          <p:cNvPr id="3" name="Subtitle 2">
-            <a:extLst>
-              <a:ext uri="{FF2B5EF4-FFF2-40B4-BE49-F238E27FC236}">
-                <a16:creationId xmlns:a16="http://schemas.microsoft.com/office/drawing/2014/main" id="{9023DE7D-21D2-AA4A-AACB-B8B0E9531BBF}"/>
-              </a:ext>
-            </a:extLst>
-          </p:cNvPr>
+            <a:endParaRPr lang="en-US" dirty="0"/>
+          </a:p>
+        </p:txBody>
+      </p:sp>
+      <p:sp>
+        <p:nvSpPr>
+          <p:cNvPr id="3" name="Subtitle 2"/>
           <p:cNvSpPr>
             <a:spLocks noGrp="1"/>
           </p:cNvSpPr>
@@ -179,8 +173,8 @@
         </p:nvSpPr>
         <p:spPr>
           <a:xfrm>
-            <a:off x="1524000" y="3602038"/>
-            <a:ext cx="9144000" cy="1655762"/>
+            <a:off x="857250" y="4802717"/>
+            <a:ext cx="5143500" cy="2207683"/>
           </a:xfrm>
         </p:spPr>
         <p:txBody>
@@ -188,39 +182,39 @@
           <a:lstStyle>
             <a:lvl1pPr marL="0" indent="0" algn="ctr">
               <a:buNone/>
-              <a:defRPr sz="2400"/>
+              <a:defRPr sz="1800"/>
             </a:lvl1pPr>
-            <a:lvl2pPr marL="457200" indent="0" algn="ctr">
-              <a:buNone/>
-              <a:defRPr sz="2000"/>
+            <a:lvl2pPr marL="342900" indent="0" algn="ctr">
+              <a:buNone/>
+              <a:defRPr sz="1500"/>
             </a:lvl2pPr>
-            <a:lvl3pPr marL="914400" indent="0" algn="ctr">
-              <a:buNone/>
-              <a:defRPr sz="1800"/>
+            <a:lvl3pPr marL="685800" indent="0" algn="ctr">
+              <a:buNone/>
+              <a:defRPr sz="1350"/>
             </a:lvl3pPr>
-            <a:lvl4pPr marL="1371600" indent="0" algn="ctr">
-              <a:buNone/>
-              <a:defRPr sz="1600"/>
+            <a:lvl4pPr marL="1028700" indent="0" algn="ctr">
+              <a:buNone/>
+              <a:defRPr sz="1200"/>
             </a:lvl4pPr>
-            <a:lvl5pPr marL="1828800" indent="0" algn="ctr">
-              <a:buNone/>
-              <a:defRPr sz="1600"/>
+            <a:lvl5pPr marL="1371600" indent="0" algn="ctr">
+              <a:buNone/>
+              <a:defRPr sz="1200"/>
             </a:lvl5pPr>
-            <a:lvl6pPr marL="2286000" indent="0" algn="ctr">
-              <a:buNone/>
-              <a:defRPr sz="1600"/>
+            <a:lvl6pPr marL="1714500" indent="0" algn="ctr">
+              <a:buNone/>
+              <a:defRPr sz="1200"/>
             </a:lvl6pPr>
-            <a:lvl7pPr marL="2743200" indent="0" algn="ctr">
-              <a:buNone/>
-              <a:defRPr sz="1600"/>
+            <a:lvl7pPr marL="2057400" indent="0" algn="ctr">
+              <a:buNone/>
+              <a:defRPr sz="1200"/>
             </a:lvl7pPr>
-            <a:lvl8pPr marL="3200400" indent="0" algn="ctr">
-              <a:buNone/>
-              <a:defRPr sz="1600"/>
+            <a:lvl8pPr marL="2400300" indent="0" algn="ctr">
+              <a:buNone/>
+              <a:defRPr sz="1200"/>
             </a:lvl8pPr>
-            <a:lvl9pPr marL="3657600" indent="0" algn="ctr">
-              <a:buNone/>
-              <a:defRPr sz="1600"/>
+            <a:lvl9pPr marL="2743200" indent="0" algn="ctr">
+              <a:buNone/>
+              <a:defRPr sz="1200"/>
             </a:lvl9pPr>
           </a:lstStyle>
           <a:p>
@@ -228,18 +222,13 @@
               <a:rPr lang="en-US"/>
               <a:t>Click to edit Master subtitle style</a:t>
             </a:r>
-          </a:p>
-        </p:txBody>
-      </p:sp>
-      <p:sp>
-        <p:nvSpPr>
-          <p:cNvPr id="4" name="Date Placeholder 3">
-            <a:extLst>
-              <a:ext uri="{FF2B5EF4-FFF2-40B4-BE49-F238E27FC236}">
-                <a16:creationId xmlns:a16="http://schemas.microsoft.com/office/drawing/2014/main" id="{E2A5591B-3956-A74E-BCD5-B5E6C2E548E8}"/>
-              </a:ext>
-            </a:extLst>
-          </p:cNvPr>
+            <a:endParaRPr lang="en-US" dirty="0"/>
+          </a:p>
+        </p:txBody>
+      </p:sp>
+      <p:sp>
+        <p:nvSpPr>
+          <p:cNvPr id="4" name="Date Placeholder 3"/>
           <p:cNvSpPr>
             <a:spLocks noGrp="1"/>
           </p:cNvSpPr>
@@ -254,7 +243,7 @@
           <a:p>
             <a:fld id="{1003A46B-F994-5B40-B551-F7E9923C46F9}" type="datetimeFigureOut">
               <a:rPr lang="en-US" smtClean="0"/>
-              <a:t>4/15/20</a:t>
+              <a:t>4/21/20</a:t>
             </a:fld>
             <a:endParaRPr lang="en-US"/>
           </a:p>
@@ -262,13 +251,7 @@
       </p:sp>
       <p:sp>
         <p:nvSpPr>
-          <p:cNvPr id="5" name="Footer Placeholder 4">
-            <a:extLst>
-              <a:ext uri="{FF2B5EF4-FFF2-40B4-BE49-F238E27FC236}">
-                <a16:creationId xmlns:a16="http://schemas.microsoft.com/office/drawing/2014/main" id="{44271598-FEF5-3A40-BF16-689BFC428755}"/>
-              </a:ext>
-            </a:extLst>
-          </p:cNvPr>
+          <p:cNvPr id="5" name="Footer Placeholder 4"/>
           <p:cNvSpPr>
             <a:spLocks noGrp="1"/>
           </p:cNvSpPr>
@@ -287,13 +270,7 @@
       </p:sp>
       <p:sp>
         <p:nvSpPr>
-          <p:cNvPr id="6" name="Slide Number Placeholder 5">
-            <a:extLst>
-              <a:ext uri="{FF2B5EF4-FFF2-40B4-BE49-F238E27FC236}">
-                <a16:creationId xmlns:a16="http://schemas.microsoft.com/office/drawing/2014/main" id="{25F9FFD2-92CD-4748-93CC-2422A968FB70}"/>
-              </a:ext>
-            </a:extLst>
-          </p:cNvPr>
+          <p:cNvPr id="6" name="Slide Number Placeholder 5"/>
           <p:cNvSpPr>
             <a:spLocks noGrp="1"/>
           </p:cNvSpPr>
@@ -317,7 +294,7 @@
     </p:spTree>
     <p:extLst>
       <p:ext uri="{BB962C8B-B14F-4D97-AF65-F5344CB8AC3E}">
-        <p14:creationId xmlns:p14="http://schemas.microsoft.com/office/powerpoint/2010/main" val="829563844"/>
+        <p14:creationId xmlns:p14="http://schemas.microsoft.com/office/powerpoint/2010/main" val="630430020"/>
       </p:ext>
     </p:extLst>
   </p:cSld>
@@ -346,13 +323,7 @@
       </p:grpSpPr>
       <p:sp>
         <p:nvSpPr>
-          <p:cNvPr id="2" name="Title 1">
-            <a:extLst>
-              <a:ext uri="{FF2B5EF4-FFF2-40B4-BE49-F238E27FC236}">
-                <a16:creationId xmlns:a16="http://schemas.microsoft.com/office/drawing/2014/main" id="{91290E85-FC16-8B45-AE43-F23021F9570B}"/>
-              </a:ext>
-            </a:extLst>
-          </p:cNvPr>
+          <p:cNvPr id="2" name="Title 1"/>
           <p:cNvSpPr>
             <a:spLocks noGrp="1"/>
           </p:cNvSpPr>
@@ -369,18 +340,13 @@
               <a:rPr lang="en-US"/>
               <a:t>Click to edit Master title style</a:t>
             </a:r>
-          </a:p>
-        </p:txBody>
-      </p:sp>
-      <p:sp>
-        <p:nvSpPr>
-          <p:cNvPr id="3" name="Vertical Text Placeholder 2">
-            <a:extLst>
-              <a:ext uri="{FF2B5EF4-FFF2-40B4-BE49-F238E27FC236}">
-                <a16:creationId xmlns:a16="http://schemas.microsoft.com/office/drawing/2014/main" id="{572574D8-5A92-914A-8F51-3855E4ED99D3}"/>
-              </a:ext>
-            </a:extLst>
-          </p:cNvPr>
+            <a:endParaRPr lang="en-US" dirty="0"/>
+          </a:p>
+        </p:txBody>
+      </p:sp>
+      <p:sp>
+        <p:nvSpPr>
+          <p:cNvPr id="3" name="Vertical Text Placeholder 2"/>
           <p:cNvSpPr>
             <a:spLocks noGrp="1"/>
           </p:cNvSpPr>
@@ -396,7 +362,7 @@
             <a:pPr lvl="0"/>
             <a:r>
               <a:rPr lang="en-US"/>
-              <a:t>Edit Master text styles</a:t>
+              <a:t>Click to edit Master text styles</a:t>
             </a:r>
           </a:p>
           <a:p>
@@ -426,18 +392,13 @@
               <a:rPr lang="en-US"/>
               <a:t>Fifth level</a:t>
             </a:r>
-          </a:p>
-        </p:txBody>
-      </p:sp>
-      <p:sp>
-        <p:nvSpPr>
-          <p:cNvPr id="4" name="Date Placeholder 3">
-            <a:extLst>
-              <a:ext uri="{FF2B5EF4-FFF2-40B4-BE49-F238E27FC236}">
-                <a16:creationId xmlns:a16="http://schemas.microsoft.com/office/drawing/2014/main" id="{715217B9-6793-BD4F-BCFF-9A2750D6D9B0}"/>
-              </a:ext>
-            </a:extLst>
-          </p:cNvPr>
+            <a:endParaRPr lang="en-US" dirty="0"/>
+          </a:p>
+        </p:txBody>
+      </p:sp>
+      <p:sp>
+        <p:nvSpPr>
+          <p:cNvPr id="4" name="Date Placeholder 3"/>
           <p:cNvSpPr>
             <a:spLocks noGrp="1"/>
           </p:cNvSpPr>
@@ -452,7 +413,7 @@
           <a:p>
             <a:fld id="{1003A46B-F994-5B40-B551-F7E9923C46F9}" type="datetimeFigureOut">
               <a:rPr lang="en-US" smtClean="0"/>
-              <a:t>4/15/20</a:t>
+              <a:t>4/21/20</a:t>
             </a:fld>
             <a:endParaRPr lang="en-US"/>
           </a:p>
@@ -460,13 +421,7 @@
       </p:sp>
       <p:sp>
         <p:nvSpPr>
-          <p:cNvPr id="5" name="Footer Placeholder 4">
-            <a:extLst>
-              <a:ext uri="{FF2B5EF4-FFF2-40B4-BE49-F238E27FC236}">
-                <a16:creationId xmlns:a16="http://schemas.microsoft.com/office/drawing/2014/main" id="{582FA1A4-4ACA-F943-B6A2-BE4E148CA769}"/>
-              </a:ext>
-            </a:extLst>
-          </p:cNvPr>
+          <p:cNvPr id="5" name="Footer Placeholder 4"/>
           <p:cNvSpPr>
             <a:spLocks noGrp="1"/>
           </p:cNvSpPr>
@@ -485,13 +440,7 @@
       </p:sp>
       <p:sp>
         <p:nvSpPr>
-          <p:cNvPr id="6" name="Slide Number Placeholder 5">
-            <a:extLst>
-              <a:ext uri="{FF2B5EF4-FFF2-40B4-BE49-F238E27FC236}">
-                <a16:creationId xmlns:a16="http://schemas.microsoft.com/office/drawing/2014/main" id="{1E806B7A-A867-794E-82F5-AAAD86908D0E}"/>
-              </a:ext>
-            </a:extLst>
-          </p:cNvPr>
+          <p:cNvPr id="6" name="Slide Number Placeholder 5"/>
           <p:cNvSpPr>
             <a:spLocks noGrp="1"/>
           </p:cNvSpPr>
@@ -515,7 +464,7 @@
     </p:spTree>
     <p:extLst>
       <p:ext uri="{BB962C8B-B14F-4D97-AF65-F5344CB8AC3E}">
-        <p14:creationId xmlns:p14="http://schemas.microsoft.com/office/powerpoint/2010/main" val="3530317293"/>
+        <p14:creationId xmlns:p14="http://schemas.microsoft.com/office/powerpoint/2010/main" val="3726922730"/>
       </p:ext>
     </p:extLst>
   </p:cSld>
@@ -544,13 +493,7 @@
       </p:grpSpPr>
       <p:sp>
         <p:nvSpPr>
-          <p:cNvPr id="2" name="Vertical Title 1">
-            <a:extLst>
-              <a:ext uri="{FF2B5EF4-FFF2-40B4-BE49-F238E27FC236}">
-                <a16:creationId xmlns:a16="http://schemas.microsoft.com/office/drawing/2014/main" id="{6F0C4C35-B5A8-5442-8F2D-5550FC725619}"/>
-              </a:ext>
-            </a:extLst>
-          </p:cNvPr>
+          <p:cNvPr id="2" name="Vertical Title 1"/>
           <p:cNvSpPr>
             <a:spLocks noGrp="1"/>
           </p:cNvSpPr>
@@ -560,8 +503,8 @@
         </p:nvSpPr>
         <p:spPr>
           <a:xfrm>
-            <a:off x="8724900" y="365125"/>
-            <a:ext cx="2628900" cy="5811838"/>
+            <a:off x="4907757" y="486834"/>
+            <a:ext cx="1478756" cy="7749117"/>
           </a:xfrm>
         </p:spPr>
         <p:txBody>
@@ -572,18 +515,13 @@
               <a:rPr lang="en-US"/>
               <a:t>Click to edit Master title style</a:t>
             </a:r>
-          </a:p>
-        </p:txBody>
-      </p:sp>
-      <p:sp>
-        <p:nvSpPr>
-          <p:cNvPr id="3" name="Vertical Text Placeholder 2">
-            <a:extLst>
-              <a:ext uri="{FF2B5EF4-FFF2-40B4-BE49-F238E27FC236}">
-                <a16:creationId xmlns:a16="http://schemas.microsoft.com/office/drawing/2014/main" id="{05A5F0D1-E2C5-9944-9DDB-670E130357D9}"/>
-              </a:ext>
-            </a:extLst>
-          </p:cNvPr>
+            <a:endParaRPr lang="en-US" dirty="0"/>
+          </a:p>
+        </p:txBody>
+      </p:sp>
+      <p:sp>
+        <p:nvSpPr>
+          <p:cNvPr id="3" name="Vertical Text Placeholder 2"/>
           <p:cNvSpPr>
             <a:spLocks noGrp="1"/>
           </p:cNvSpPr>
@@ -593,8 +531,8 @@
         </p:nvSpPr>
         <p:spPr>
           <a:xfrm>
-            <a:off x="838200" y="365125"/>
-            <a:ext cx="7734300" cy="5811838"/>
+            <a:off x="471488" y="486834"/>
+            <a:ext cx="4350544" cy="7749117"/>
           </a:xfrm>
         </p:spPr>
         <p:txBody>
@@ -604,7 +542,7 @@
             <a:pPr lvl="0"/>
             <a:r>
               <a:rPr lang="en-US"/>
-              <a:t>Edit Master text styles</a:t>
+              <a:t>Click to edit Master text styles</a:t>
             </a:r>
           </a:p>
           <a:p>
@@ -634,18 +572,13 @@
               <a:rPr lang="en-US"/>
               <a:t>Fifth level</a:t>
             </a:r>
-          </a:p>
-        </p:txBody>
-      </p:sp>
-      <p:sp>
-        <p:nvSpPr>
-          <p:cNvPr id="4" name="Date Placeholder 3">
-            <a:extLst>
-              <a:ext uri="{FF2B5EF4-FFF2-40B4-BE49-F238E27FC236}">
-                <a16:creationId xmlns:a16="http://schemas.microsoft.com/office/drawing/2014/main" id="{C6E5D545-E35B-8044-A101-6CB91ACCF8B6}"/>
-              </a:ext>
-            </a:extLst>
-          </p:cNvPr>
+            <a:endParaRPr lang="en-US" dirty="0"/>
+          </a:p>
+        </p:txBody>
+      </p:sp>
+      <p:sp>
+        <p:nvSpPr>
+          <p:cNvPr id="4" name="Date Placeholder 3"/>
           <p:cNvSpPr>
             <a:spLocks noGrp="1"/>
           </p:cNvSpPr>
@@ -660,7 +593,7 @@
           <a:p>
             <a:fld id="{1003A46B-F994-5B40-B551-F7E9923C46F9}" type="datetimeFigureOut">
               <a:rPr lang="en-US" smtClean="0"/>
-              <a:t>4/15/20</a:t>
+              <a:t>4/21/20</a:t>
             </a:fld>
             <a:endParaRPr lang="en-US"/>
           </a:p>
@@ -668,13 +601,7 @@
       </p:sp>
       <p:sp>
         <p:nvSpPr>
-          <p:cNvPr id="5" name="Footer Placeholder 4">
-            <a:extLst>
-              <a:ext uri="{FF2B5EF4-FFF2-40B4-BE49-F238E27FC236}">
-                <a16:creationId xmlns:a16="http://schemas.microsoft.com/office/drawing/2014/main" id="{09D39838-C9C5-0141-B9E5-4A91DAB532A1}"/>
-              </a:ext>
-            </a:extLst>
-          </p:cNvPr>
+          <p:cNvPr id="5" name="Footer Placeholder 4"/>
           <p:cNvSpPr>
             <a:spLocks noGrp="1"/>
           </p:cNvSpPr>
@@ -693,13 +620,7 @@
       </p:sp>
       <p:sp>
         <p:nvSpPr>
-          <p:cNvPr id="6" name="Slide Number Placeholder 5">
-            <a:extLst>
-              <a:ext uri="{FF2B5EF4-FFF2-40B4-BE49-F238E27FC236}">
-                <a16:creationId xmlns:a16="http://schemas.microsoft.com/office/drawing/2014/main" id="{1EC87F5A-D287-5646-96E6-0B973421A7D0}"/>
-              </a:ext>
-            </a:extLst>
-          </p:cNvPr>
+          <p:cNvPr id="6" name="Slide Number Placeholder 5"/>
           <p:cNvSpPr>
             <a:spLocks noGrp="1"/>
           </p:cNvSpPr>
@@ -723,7 +644,7 @@
     </p:spTree>
     <p:extLst>
       <p:ext uri="{BB962C8B-B14F-4D97-AF65-F5344CB8AC3E}">
-        <p14:creationId xmlns:p14="http://schemas.microsoft.com/office/powerpoint/2010/main" val="554905217"/>
+        <p14:creationId xmlns:p14="http://schemas.microsoft.com/office/powerpoint/2010/main" val="948349959"/>
       </p:ext>
     </p:extLst>
   </p:cSld>
@@ -752,13 +673,7 @@
       </p:grpSpPr>
       <p:sp>
         <p:nvSpPr>
-          <p:cNvPr id="2" name="Title 1">
-            <a:extLst>
-              <a:ext uri="{FF2B5EF4-FFF2-40B4-BE49-F238E27FC236}">
-                <a16:creationId xmlns:a16="http://schemas.microsoft.com/office/drawing/2014/main" id="{4FE3C8E4-5028-9C4B-AD92-03FC874D58F2}"/>
-              </a:ext>
-            </a:extLst>
-          </p:cNvPr>
+          <p:cNvPr id="2" name="Title 1"/>
           <p:cNvSpPr>
             <a:spLocks noGrp="1"/>
           </p:cNvSpPr>
@@ -775,18 +690,13 @@
               <a:rPr lang="en-US"/>
               <a:t>Click to edit Master title style</a:t>
             </a:r>
-          </a:p>
-        </p:txBody>
-      </p:sp>
-      <p:sp>
-        <p:nvSpPr>
-          <p:cNvPr id="3" name="Content Placeholder 2">
-            <a:extLst>
-              <a:ext uri="{FF2B5EF4-FFF2-40B4-BE49-F238E27FC236}">
-                <a16:creationId xmlns:a16="http://schemas.microsoft.com/office/drawing/2014/main" id="{F01BF0EF-93B1-3047-9E92-56DEF6095C1C}"/>
-              </a:ext>
-            </a:extLst>
-          </p:cNvPr>
+            <a:endParaRPr lang="en-US" dirty="0"/>
+          </a:p>
+        </p:txBody>
+      </p:sp>
+      <p:sp>
+        <p:nvSpPr>
+          <p:cNvPr id="3" name="Content Placeholder 2"/>
           <p:cNvSpPr>
             <a:spLocks noGrp="1"/>
           </p:cNvSpPr>
@@ -802,7 +712,7 @@
             <a:pPr lvl="0"/>
             <a:r>
               <a:rPr lang="en-US"/>
-              <a:t>Edit Master text styles</a:t>
+              <a:t>Click to edit Master text styles</a:t>
             </a:r>
           </a:p>
           <a:p>
@@ -832,18 +742,13 @@
               <a:rPr lang="en-US"/>
               <a:t>Fifth level</a:t>
             </a:r>
-          </a:p>
-        </p:txBody>
-      </p:sp>
-      <p:sp>
-        <p:nvSpPr>
-          <p:cNvPr id="4" name="Date Placeholder 3">
-            <a:extLst>
-              <a:ext uri="{FF2B5EF4-FFF2-40B4-BE49-F238E27FC236}">
-                <a16:creationId xmlns:a16="http://schemas.microsoft.com/office/drawing/2014/main" id="{2A9B5B62-6FAE-E74C-BE49-A3FEB4810377}"/>
-              </a:ext>
-            </a:extLst>
-          </p:cNvPr>
+            <a:endParaRPr lang="en-US" dirty="0"/>
+          </a:p>
+        </p:txBody>
+      </p:sp>
+      <p:sp>
+        <p:nvSpPr>
+          <p:cNvPr id="4" name="Date Placeholder 3"/>
           <p:cNvSpPr>
             <a:spLocks noGrp="1"/>
           </p:cNvSpPr>
@@ -858,7 +763,7 @@
           <a:p>
             <a:fld id="{1003A46B-F994-5B40-B551-F7E9923C46F9}" type="datetimeFigureOut">
               <a:rPr lang="en-US" smtClean="0"/>
-              <a:t>4/15/20</a:t>
+              <a:t>4/21/20</a:t>
             </a:fld>
             <a:endParaRPr lang="en-US"/>
           </a:p>
@@ -866,13 +771,7 @@
       </p:sp>
       <p:sp>
         <p:nvSpPr>
-          <p:cNvPr id="5" name="Footer Placeholder 4">
-            <a:extLst>
-              <a:ext uri="{FF2B5EF4-FFF2-40B4-BE49-F238E27FC236}">
-                <a16:creationId xmlns:a16="http://schemas.microsoft.com/office/drawing/2014/main" id="{30FE9B37-9D8E-5D4C-958D-7801373ECFED}"/>
-              </a:ext>
-            </a:extLst>
-          </p:cNvPr>
+          <p:cNvPr id="5" name="Footer Placeholder 4"/>
           <p:cNvSpPr>
             <a:spLocks noGrp="1"/>
           </p:cNvSpPr>
@@ -891,13 +790,7 @@
       </p:sp>
       <p:sp>
         <p:nvSpPr>
-          <p:cNvPr id="6" name="Slide Number Placeholder 5">
-            <a:extLst>
-              <a:ext uri="{FF2B5EF4-FFF2-40B4-BE49-F238E27FC236}">
-                <a16:creationId xmlns:a16="http://schemas.microsoft.com/office/drawing/2014/main" id="{8CE64B56-106A-B74B-BA1A-EDB7E28A809F}"/>
-              </a:ext>
-            </a:extLst>
-          </p:cNvPr>
+          <p:cNvPr id="6" name="Slide Number Placeholder 5"/>
           <p:cNvSpPr>
             <a:spLocks noGrp="1"/>
           </p:cNvSpPr>
@@ -921,7 +814,7 @@
     </p:spTree>
     <p:extLst>
       <p:ext uri="{BB962C8B-B14F-4D97-AF65-F5344CB8AC3E}">
-        <p14:creationId xmlns:p14="http://schemas.microsoft.com/office/powerpoint/2010/main" val="735039912"/>
+        <p14:creationId xmlns:p14="http://schemas.microsoft.com/office/powerpoint/2010/main" val="682921094"/>
       </p:ext>
     </p:extLst>
   </p:cSld>
@@ -950,13 +843,7 @@
       </p:grpSpPr>
       <p:sp>
         <p:nvSpPr>
-          <p:cNvPr id="2" name="Title 1">
-            <a:extLst>
-              <a:ext uri="{FF2B5EF4-FFF2-40B4-BE49-F238E27FC236}">
-                <a16:creationId xmlns:a16="http://schemas.microsoft.com/office/drawing/2014/main" id="{E38AD289-63CF-3C48-8F95-BCB9CA11270D}"/>
-              </a:ext>
-            </a:extLst>
-          </p:cNvPr>
+          <p:cNvPr id="2" name="Title 1"/>
           <p:cNvSpPr>
             <a:spLocks noGrp="1"/>
           </p:cNvSpPr>
@@ -966,15 +853,15 @@
         </p:nvSpPr>
         <p:spPr>
           <a:xfrm>
-            <a:off x="831850" y="1709738"/>
-            <a:ext cx="10515600" cy="2852737"/>
+            <a:off x="467916" y="2279653"/>
+            <a:ext cx="5915025" cy="3803649"/>
           </a:xfrm>
         </p:spPr>
         <p:txBody>
           <a:bodyPr anchor="b"/>
           <a:lstStyle>
             <a:lvl1pPr>
-              <a:defRPr sz="6000"/>
+              <a:defRPr sz="4500"/>
             </a:lvl1pPr>
           </a:lstStyle>
           <a:p>
@@ -982,18 +869,13 @@
               <a:rPr lang="en-US"/>
               <a:t>Click to edit Master title style</a:t>
             </a:r>
-          </a:p>
-        </p:txBody>
-      </p:sp>
-      <p:sp>
-        <p:nvSpPr>
-          <p:cNvPr id="3" name="Text Placeholder 2">
-            <a:extLst>
-              <a:ext uri="{FF2B5EF4-FFF2-40B4-BE49-F238E27FC236}">
-                <a16:creationId xmlns:a16="http://schemas.microsoft.com/office/drawing/2014/main" id="{96DCAB18-5861-4245-99E4-E1CA03C35C55}"/>
-              </a:ext>
-            </a:extLst>
-          </p:cNvPr>
+            <a:endParaRPr lang="en-US" dirty="0"/>
+          </a:p>
+        </p:txBody>
+      </p:sp>
+      <p:sp>
+        <p:nvSpPr>
+          <p:cNvPr id="3" name="Text Placeholder 2"/>
           <p:cNvSpPr>
             <a:spLocks noGrp="1"/>
           </p:cNvSpPr>
@@ -1003,8 +885,8 @@
         </p:nvSpPr>
         <p:spPr>
           <a:xfrm>
-            <a:off x="831850" y="4589463"/>
-            <a:ext cx="10515600" cy="1500187"/>
+            <a:off x="467916" y="6119286"/>
+            <a:ext cx="5915025" cy="2000249"/>
           </a:xfrm>
         </p:spPr>
         <p:txBody>
@@ -1012,17 +894,15 @@
           <a:lstStyle>
             <a:lvl1pPr marL="0" indent="0">
               <a:buNone/>
-              <a:defRPr sz="2400">
+              <a:defRPr sz="1800">
                 <a:solidFill>
-                  <a:schemeClr val="tx1">
-                    <a:tint val="75000"/>
-                  </a:schemeClr>
+                  <a:schemeClr val="tx1"/>
                 </a:solidFill>
               </a:defRPr>
             </a:lvl1pPr>
-            <a:lvl2pPr marL="457200" indent="0">
-              <a:buNone/>
-              <a:defRPr sz="2000">
+            <a:lvl2pPr marL="342900" indent="0">
+              <a:buNone/>
+              <a:defRPr sz="1500">
                 <a:solidFill>
                   <a:schemeClr val="tx1">
                     <a:tint val="75000"/>
@@ -1030,9 +910,9 @@
                 </a:solidFill>
               </a:defRPr>
             </a:lvl2pPr>
-            <a:lvl3pPr marL="914400" indent="0">
-              <a:buNone/>
-              <a:defRPr sz="1800">
+            <a:lvl3pPr marL="685800" indent="0">
+              <a:buNone/>
+              <a:defRPr sz="1350">
                 <a:solidFill>
                   <a:schemeClr val="tx1">
                     <a:tint val="75000"/>
@@ -1040,9 +920,9 @@
                 </a:solidFill>
               </a:defRPr>
             </a:lvl3pPr>
-            <a:lvl4pPr marL="1371600" indent="0">
-              <a:buNone/>
-              <a:defRPr sz="1600">
+            <a:lvl4pPr marL="1028700" indent="0">
+              <a:buNone/>
+              <a:defRPr sz="1200">
                 <a:solidFill>
                   <a:schemeClr val="tx1">
                     <a:tint val="75000"/>
@@ -1050,9 +930,9 @@
                 </a:solidFill>
               </a:defRPr>
             </a:lvl4pPr>
-            <a:lvl5pPr marL="1828800" indent="0">
-              <a:buNone/>
-              <a:defRPr sz="1600">
+            <a:lvl5pPr marL="1371600" indent="0">
+              <a:buNone/>
+              <a:defRPr sz="1200">
                 <a:solidFill>
                   <a:schemeClr val="tx1">
                     <a:tint val="75000"/>
@@ -1060,9 +940,9 @@
                 </a:solidFill>
               </a:defRPr>
             </a:lvl5pPr>
-            <a:lvl6pPr marL="2286000" indent="0">
-              <a:buNone/>
-              <a:defRPr sz="1600">
+            <a:lvl6pPr marL="1714500" indent="0">
+              <a:buNone/>
+              <a:defRPr sz="1200">
                 <a:solidFill>
                   <a:schemeClr val="tx1">
                     <a:tint val="75000"/>
@@ -1070,9 +950,9 @@
                 </a:solidFill>
               </a:defRPr>
             </a:lvl6pPr>
-            <a:lvl7pPr marL="2743200" indent="0">
-              <a:buNone/>
-              <a:defRPr sz="1600">
+            <a:lvl7pPr marL="2057400" indent="0">
+              <a:buNone/>
+              <a:defRPr sz="1200">
                 <a:solidFill>
                   <a:schemeClr val="tx1">
                     <a:tint val="75000"/>
@@ -1080,9 +960,9 @@
                 </a:solidFill>
               </a:defRPr>
             </a:lvl7pPr>
-            <a:lvl8pPr marL="3200400" indent="0">
-              <a:buNone/>
-              <a:defRPr sz="1600">
+            <a:lvl8pPr marL="2400300" indent="0">
+              <a:buNone/>
+              <a:defRPr sz="1200">
                 <a:solidFill>
                   <a:schemeClr val="tx1">
                     <a:tint val="75000"/>
@@ -1090,9 +970,9 @@
                 </a:solidFill>
               </a:defRPr>
             </a:lvl8pPr>
-            <a:lvl9pPr marL="3657600" indent="0">
-              <a:buNone/>
-              <a:defRPr sz="1600">
+            <a:lvl9pPr marL="2743200" indent="0">
+              <a:buNone/>
+              <a:defRPr sz="1200">
                 <a:solidFill>
                   <a:schemeClr val="tx1">
                     <a:tint val="75000"/>
@@ -1105,20 +985,14 @@
             <a:pPr lvl="0"/>
             <a:r>
               <a:rPr lang="en-US"/>
-              <a:t>Edit Master text styles</a:t>
-            </a:r>
-          </a:p>
-        </p:txBody>
-      </p:sp>
-      <p:sp>
-        <p:nvSpPr>
-          <p:cNvPr id="4" name="Date Placeholder 3">
-            <a:extLst>
-              <a:ext uri="{FF2B5EF4-FFF2-40B4-BE49-F238E27FC236}">
-                <a16:creationId xmlns:a16="http://schemas.microsoft.com/office/drawing/2014/main" id="{4D61FD33-5BDC-AD4D-B84E-25737C64DAB3}"/>
-              </a:ext>
-            </a:extLst>
-          </p:cNvPr>
+              <a:t>Click to edit Master text styles</a:t>
+            </a:r>
+          </a:p>
+        </p:txBody>
+      </p:sp>
+      <p:sp>
+        <p:nvSpPr>
+          <p:cNvPr id="4" name="Date Placeholder 3"/>
           <p:cNvSpPr>
             <a:spLocks noGrp="1"/>
           </p:cNvSpPr>
@@ -1133,7 +1007,7 @@
           <a:p>
             <a:fld id="{1003A46B-F994-5B40-B551-F7E9923C46F9}" type="datetimeFigureOut">
               <a:rPr lang="en-US" smtClean="0"/>
-              <a:t>4/15/20</a:t>
+              <a:t>4/21/20</a:t>
             </a:fld>
             <a:endParaRPr lang="en-US"/>
           </a:p>
@@ -1141,13 +1015,7 @@
       </p:sp>
       <p:sp>
         <p:nvSpPr>
-          <p:cNvPr id="5" name="Footer Placeholder 4">
-            <a:extLst>
-              <a:ext uri="{FF2B5EF4-FFF2-40B4-BE49-F238E27FC236}">
-                <a16:creationId xmlns:a16="http://schemas.microsoft.com/office/drawing/2014/main" id="{900F9716-0A76-8847-802C-7CCBB127D3A5}"/>
-              </a:ext>
-            </a:extLst>
-          </p:cNvPr>
+          <p:cNvPr id="5" name="Footer Placeholder 4"/>
           <p:cNvSpPr>
             <a:spLocks noGrp="1"/>
           </p:cNvSpPr>
@@ -1166,13 +1034,7 @@
       </p:sp>
       <p:sp>
         <p:nvSpPr>
-          <p:cNvPr id="6" name="Slide Number Placeholder 5">
-            <a:extLst>
-              <a:ext uri="{FF2B5EF4-FFF2-40B4-BE49-F238E27FC236}">
-                <a16:creationId xmlns:a16="http://schemas.microsoft.com/office/drawing/2014/main" id="{4F2BB3F1-EFE7-B148-8779-0997EC273A5A}"/>
-              </a:ext>
-            </a:extLst>
-          </p:cNvPr>
+          <p:cNvPr id="6" name="Slide Number Placeholder 5"/>
           <p:cNvSpPr>
             <a:spLocks noGrp="1"/>
           </p:cNvSpPr>
@@ -1196,7 +1058,7 @@
     </p:spTree>
     <p:extLst>
       <p:ext uri="{BB962C8B-B14F-4D97-AF65-F5344CB8AC3E}">
-        <p14:creationId xmlns:p14="http://schemas.microsoft.com/office/powerpoint/2010/main" val="570157127"/>
+        <p14:creationId xmlns:p14="http://schemas.microsoft.com/office/powerpoint/2010/main" val="4136673165"/>
       </p:ext>
     </p:extLst>
   </p:cSld>
@@ -1225,13 +1087,7 @@
       </p:grpSpPr>
       <p:sp>
         <p:nvSpPr>
-          <p:cNvPr id="2" name="Title 1">
-            <a:extLst>
-              <a:ext uri="{FF2B5EF4-FFF2-40B4-BE49-F238E27FC236}">
-                <a16:creationId xmlns:a16="http://schemas.microsoft.com/office/drawing/2014/main" id="{7F4FEAE6-AF7C-AB4E-8E07-4602113DE44E}"/>
-              </a:ext>
-            </a:extLst>
-          </p:cNvPr>
+          <p:cNvPr id="2" name="Title 1"/>
           <p:cNvSpPr>
             <a:spLocks noGrp="1"/>
           </p:cNvSpPr>
@@ -1248,18 +1104,13 @@
               <a:rPr lang="en-US"/>
               <a:t>Click to edit Master title style</a:t>
             </a:r>
-          </a:p>
-        </p:txBody>
-      </p:sp>
-      <p:sp>
-        <p:nvSpPr>
-          <p:cNvPr id="3" name="Content Placeholder 2">
-            <a:extLst>
-              <a:ext uri="{FF2B5EF4-FFF2-40B4-BE49-F238E27FC236}">
-                <a16:creationId xmlns:a16="http://schemas.microsoft.com/office/drawing/2014/main" id="{BE21B2C5-7F36-DD43-B539-5F41C6848E12}"/>
-              </a:ext>
-            </a:extLst>
-          </p:cNvPr>
+            <a:endParaRPr lang="en-US" dirty="0"/>
+          </a:p>
+        </p:txBody>
+      </p:sp>
+      <p:sp>
+        <p:nvSpPr>
+          <p:cNvPr id="3" name="Content Placeholder 2"/>
           <p:cNvSpPr>
             <a:spLocks noGrp="1"/>
           </p:cNvSpPr>
@@ -1269,8 +1120,8 @@
         </p:nvSpPr>
         <p:spPr>
           <a:xfrm>
-            <a:off x="838200" y="1825625"/>
-            <a:ext cx="5181600" cy="4351338"/>
+            <a:off x="471488" y="2434167"/>
+            <a:ext cx="2914650" cy="5801784"/>
           </a:xfrm>
         </p:spPr>
         <p:txBody>
@@ -1280,7 +1131,7 @@
             <a:pPr lvl="0"/>
             <a:r>
               <a:rPr lang="en-US"/>
-              <a:t>Edit Master text styles</a:t>
+              <a:t>Click to edit Master text styles</a:t>
             </a:r>
           </a:p>
           <a:p>
@@ -1310,18 +1161,13 @@
               <a:rPr lang="en-US"/>
               <a:t>Fifth level</a:t>
             </a:r>
-          </a:p>
-        </p:txBody>
-      </p:sp>
-      <p:sp>
-        <p:nvSpPr>
-          <p:cNvPr id="4" name="Content Placeholder 3">
-            <a:extLst>
-              <a:ext uri="{FF2B5EF4-FFF2-40B4-BE49-F238E27FC236}">
-                <a16:creationId xmlns:a16="http://schemas.microsoft.com/office/drawing/2014/main" id="{8A24397A-8665-3149-AC48-C323A74B0274}"/>
-              </a:ext>
-            </a:extLst>
-          </p:cNvPr>
+            <a:endParaRPr lang="en-US" dirty="0"/>
+          </a:p>
+        </p:txBody>
+      </p:sp>
+      <p:sp>
+        <p:nvSpPr>
+          <p:cNvPr id="4" name="Content Placeholder 3"/>
           <p:cNvSpPr>
             <a:spLocks noGrp="1"/>
           </p:cNvSpPr>
@@ -1331,8 +1177,8 @@
         </p:nvSpPr>
         <p:spPr>
           <a:xfrm>
-            <a:off x="6172200" y="1825625"/>
-            <a:ext cx="5181600" cy="4351338"/>
+            <a:off x="3471863" y="2434167"/>
+            <a:ext cx="2914650" cy="5801784"/>
           </a:xfrm>
         </p:spPr>
         <p:txBody>
@@ -1342,7 +1188,7 @@
             <a:pPr lvl="0"/>
             <a:r>
               <a:rPr lang="en-US"/>
-              <a:t>Edit Master text styles</a:t>
+              <a:t>Click to edit Master text styles</a:t>
             </a:r>
           </a:p>
           <a:p>
@@ -1372,18 +1218,13 @@
               <a:rPr lang="en-US"/>
               <a:t>Fifth level</a:t>
             </a:r>
-          </a:p>
-        </p:txBody>
-      </p:sp>
-      <p:sp>
-        <p:nvSpPr>
-          <p:cNvPr id="5" name="Date Placeholder 4">
-            <a:extLst>
-              <a:ext uri="{FF2B5EF4-FFF2-40B4-BE49-F238E27FC236}">
-                <a16:creationId xmlns:a16="http://schemas.microsoft.com/office/drawing/2014/main" id="{E265C001-7299-9946-9445-FF7DF89E27FE}"/>
-              </a:ext>
-            </a:extLst>
-          </p:cNvPr>
+            <a:endParaRPr lang="en-US" dirty="0"/>
+          </a:p>
+        </p:txBody>
+      </p:sp>
+      <p:sp>
+        <p:nvSpPr>
+          <p:cNvPr id="5" name="Date Placeholder 4"/>
           <p:cNvSpPr>
             <a:spLocks noGrp="1"/>
           </p:cNvSpPr>
@@ -1398,7 +1239,7 @@
           <a:p>
             <a:fld id="{1003A46B-F994-5B40-B551-F7E9923C46F9}" type="datetimeFigureOut">
               <a:rPr lang="en-US" smtClean="0"/>
-              <a:t>4/15/20</a:t>
+              <a:t>4/21/20</a:t>
             </a:fld>
             <a:endParaRPr lang="en-US"/>
           </a:p>
@@ -1406,13 +1247,7 @@
       </p:sp>
       <p:sp>
         <p:nvSpPr>
-          <p:cNvPr id="6" name="Footer Placeholder 5">
-            <a:extLst>
-              <a:ext uri="{FF2B5EF4-FFF2-40B4-BE49-F238E27FC236}">
-                <a16:creationId xmlns:a16="http://schemas.microsoft.com/office/drawing/2014/main" id="{B5C19934-507D-AD47-822C-A920518D1665}"/>
-              </a:ext>
-            </a:extLst>
-          </p:cNvPr>
+          <p:cNvPr id="6" name="Footer Placeholder 5"/>
           <p:cNvSpPr>
             <a:spLocks noGrp="1"/>
           </p:cNvSpPr>
@@ -1431,13 +1266,7 @@
       </p:sp>
       <p:sp>
         <p:nvSpPr>
-          <p:cNvPr id="7" name="Slide Number Placeholder 6">
-            <a:extLst>
-              <a:ext uri="{FF2B5EF4-FFF2-40B4-BE49-F238E27FC236}">
-                <a16:creationId xmlns:a16="http://schemas.microsoft.com/office/drawing/2014/main" id="{EB063F9C-D6D8-AC48-8A28-FE766A5647F8}"/>
-              </a:ext>
-            </a:extLst>
-          </p:cNvPr>
+          <p:cNvPr id="7" name="Slide Number Placeholder 6"/>
           <p:cNvSpPr>
             <a:spLocks noGrp="1"/>
           </p:cNvSpPr>
@@ -1461,7 +1290,7 @@
     </p:spTree>
     <p:extLst>
       <p:ext uri="{BB962C8B-B14F-4D97-AF65-F5344CB8AC3E}">
-        <p14:creationId xmlns:p14="http://schemas.microsoft.com/office/powerpoint/2010/main" val="4176019532"/>
+        <p14:creationId xmlns:p14="http://schemas.microsoft.com/office/powerpoint/2010/main" val="3456915818"/>
       </p:ext>
     </p:extLst>
   </p:cSld>
@@ -1490,13 +1319,7 @@
       </p:grpSpPr>
       <p:sp>
         <p:nvSpPr>
-          <p:cNvPr id="2" name="Title 1">
-            <a:extLst>
-              <a:ext uri="{FF2B5EF4-FFF2-40B4-BE49-F238E27FC236}">
-                <a16:creationId xmlns:a16="http://schemas.microsoft.com/office/drawing/2014/main" id="{44371DB8-F6D0-2749-BF8F-2066815FC1AA}"/>
-              </a:ext>
-            </a:extLst>
-          </p:cNvPr>
+          <p:cNvPr id="2" name="Title 1"/>
           <p:cNvSpPr>
             <a:spLocks noGrp="1"/>
           </p:cNvSpPr>
@@ -1506,8 +1329,8 @@
         </p:nvSpPr>
         <p:spPr>
           <a:xfrm>
-            <a:off x="839788" y="365125"/>
-            <a:ext cx="10515600" cy="1325563"/>
+            <a:off x="472381" y="486836"/>
+            <a:ext cx="5915025" cy="1767417"/>
           </a:xfrm>
         </p:spPr>
         <p:txBody>
@@ -1518,18 +1341,13 @@
               <a:rPr lang="en-US"/>
               <a:t>Click to edit Master title style</a:t>
             </a:r>
-          </a:p>
-        </p:txBody>
-      </p:sp>
-      <p:sp>
-        <p:nvSpPr>
-          <p:cNvPr id="3" name="Text Placeholder 2">
-            <a:extLst>
-              <a:ext uri="{FF2B5EF4-FFF2-40B4-BE49-F238E27FC236}">
-                <a16:creationId xmlns:a16="http://schemas.microsoft.com/office/drawing/2014/main" id="{DA0CA41D-EC3E-874E-A5CE-DCF037A5D9D4}"/>
-              </a:ext>
-            </a:extLst>
-          </p:cNvPr>
+            <a:endParaRPr lang="en-US" dirty="0"/>
+          </a:p>
+        </p:txBody>
+      </p:sp>
+      <p:sp>
+        <p:nvSpPr>
+          <p:cNvPr id="3" name="Text Placeholder 2"/>
           <p:cNvSpPr>
             <a:spLocks noGrp="1"/>
           </p:cNvSpPr>
@@ -1539,8 +1357,8 @@
         </p:nvSpPr>
         <p:spPr>
           <a:xfrm>
-            <a:off x="839788" y="1681163"/>
-            <a:ext cx="5157787" cy="823912"/>
+            <a:off x="472381" y="2241551"/>
+            <a:ext cx="2901255" cy="1098549"/>
           </a:xfrm>
         </p:spPr>
         <p:txBody>
@@ -1548,59 +1366,53 @@
           <a:lstStyle>
             <a:lvl1pPr marL="0" indent="0">
               <a:buNone/>
-              <a:defRPr sz="2400" b="1"/>
+              <a:defRPr sz="1800" b="1"/>
             </a:lvl1pPr>
-            <a:lvl2pPr marL="457200" indent="0">
-              <a:buNone/>
-              <a:defRPr sz="2000" b="1"/>
+            <a:lvl2pPr marL="342900" indent="0">
+              <a:buNone/>
+              <a:defRPr sz="1500" b="1"/>
             </a:lvl2pPr>
-            <a:lvl3pPr marL="914400" indent="0">
-              <a:buNone/>
-              <a:defRPr sz="1800" b="1"/>
+            <a:lvl3pPr marL="685800" indent="0">
+              <a:buNone/>
+              <a:defRPr sz="1350" b="1"/>
             </a:lvl3pPr>
-            <a:lvl4pPr marL="1371600" indent="0">
-              <a:buNone/>
-              <a:defRPr sz="1600" b="1"/>
+            <a:lvl4pPr marL="1028700" indent="0">
+              <a:buNone/>
+              <a:defRPr sz="1200" b="1"/>
             </a:lvl4pPr>
-            <a:lvl5pPr marL="1828800" indent="0">
-              <a:buNone/>
-              <a:defRPr sz="1600" b="1"/>
+            <a:lvl5pPr marL="1371600" indent="0">
+              <a:buNone/>
+              <a:defRPr sz="1200" b="1"/>
             </a:lvl5pPr>
-            <a:lvl6pPr marL="2286000" indent="0">
-              <a:buNone/>
-              <a:defRPr sz="1600" b="1"/>
+            <a:lvl6pPr marL="1714500" indent="0">
+              <a:buNone/>
+              <a:defRPr sz="1200" b="1"/>
             </a:lvl6pPr>
-            <a:lvl7pPr marL="2743200" indent="0">
-              <a:buNone/>
-              <a:defRPr sz="1600" b="1"/>
+            <a:lvl7pPr marL="2057400" indent="0">
+              <a:buNone/>
+              <a:defRPr sz="1200" b="1"/>
             </a:lvl7pPr>
-            <a:lvl8pPr marL="3200400" indent="0">
-              <a:buNone/>
-              <a:defRPr sz="1600" b="1"/>
+            <a:lvl8pPr marL="2400300" indent="0">
+              <a:buNone/>
+              <a:defRPr sz="1200" b="1"/>
             </a:lvl8pPr>
-            <a:lvl9pPr marL="3657600" indent="0">
-              <a:buNone/>
-              <a:defRPr sz="1600" b="1"/>
+            <a:lvl9pPr marL="2743200" indent="0">
+              <a:buNone/>
+              <a:defRPr sz="1200" b="1"/>
             </a:lvl9pPr>
           </a:lstStyle>
           <a:p>
             <a:pPr lvl="0"/>
             <a:r>
               <a:rPr lang="en-US"/>
-              <a:t>Edit Master text styles</a:t>
-            </a:r>
-          </a:p>
-        </p:txBody>
-      </p:sp>
-      <p:sp>
-        <p:nvSpPr>
-          <p:cNvPr id="4" name="Content Placeholder 3">
-            <a:extLst>
-              <a:ext uri="{FF2B5EF4-FFF2-40B4-BE49-F238E27FC236}">
-                <a16:creationId xmlns:a16="http://schemas.microsoft.com/office/drawing/2014/main" id="{E947D071-A99C-1B48-A67C-02FD86649071}"/>
-              </a:ext>
-            </a:extLst>
-          </p:cNvPr>
+              <a:t>Click to edit Master text styles</a:t>
+            </a:r>
+          </a:p>
+        </p:txBody>
+      </p:sp>
+      <p:sp>
+        <p:nvSpPr>
+          <p:cNvPr id="4" name="Content Placeholder 3"/>
           <p:cNvSpPr>
             <a:spLocks noGrp="1"/>
           </p:cNvSpPr>
@@ -1610,8 +1422,8 @@
         </p:nvSpPr>
         <p:spPr>
           <a:xfrm>
-            <a:off x="839788" y="2505075"/>
-            <a:ext cx="5157787" cy="3684588"/>
+            <a:off x="472381" y="3340100"/>
+            <a:ext cx="2901255" cy="4912784"/>
           </a:xfrm>
         </p:spPr>
         <p:txBody>
@@ -1621,7 +1433,7 @@
             <a:pPr lvl="0"/>
             <a:r>
               <a:rPr lang="en-US"/>
-              <a:t>Edit Master text styles</a:t>
+              <a:t>Click to edit Master text styles</a:t>
             </a:r>
           </a:p>
           <a:p>
@@ -1651,18 +1463,13 @@
               <a:rPr lang="en-US"/>
               <a:t>Fifth level</a:t>
             </a:r>
-          </a:p>
-        </p:txBody>
-      </p:sp>
-      <p:sp>
-        <p:nvSpPr>
-          <p:cNvPr id="5" name="Text Placeholder 4">
-            <a:extLst>
-              <a:ext uri="{FF2B5EF4-FFF2-40B4-BE49-F238E27FC236}">
-                <a16:creationId xmlns:a16="http://schemas.microsoft.com/office/drawing/2014/main" id="{E180D509-3551-294B-A07C-DA6E50768D6E}"/>
-              </a:ext>
-            </a:extLst>
-          </p:cNvPr>
+            <a:endParaRPr lang="en-US" dirty="0"/>
+          </a:p>
+        </p:txBody>
+      </p:sp>
+      <p:sp>
+        <p:nvSpPr>
+          <p:cNvPr id="5" name="Text Placeholder 4"/>
           <p:cNvSpPr>
             <a:spLocks noGrp="1"/>
           </p:cNvSpPr>
@@ -1672,8 +1479,8 @@
         </p:nvSpPr>
         <p:spPr>
           <a:xfrm>
-            <a:off x="6172200" y="1681163"/>
-            <a:ext cx="5183188" cy="823912"/>
+            <a:off x="3471863" y="2241551"/>
+            <a:ext cx="2915543" cy="1098549"/>
           </a:xfrm>
         </p:spPr>
         <p:txBody>
@@ -1681,59 +1488,53 @@
           <a:lstStyle>
             <a:lvl1pPr marL="0" indent="0">
               <a:buNone/>
-              <a:defRPr sz="2400" b="1"/>
+              <a:defRPr sz="1800" b="1"/>
             </a:lvl1pPr>
-            <a:lvl2pPr marL="457200" indent="0">
-              <a:buNone/>
-              <a:defRPr sz="2000" b="1"/>
+            <a:lvl2pPr marL="342900" indent="0">
+              <a:buNone/>
+              <a:defRPr sz="1500" b="1"/>
             </a:lvl2pPr>
-            <a:lvl3pPr marL="914400" indent="0">
-              <a:buNone/>
-              <a:defRPr sz="1800" b="1"/>
+            <a:lvl3pPr marL="685800" indent="0">
+              <a:buNone/>
+              <a:defRPr sz="1350" b="1"/>
             </a:lvl3pPr>
-            <a:lvl4pPr marL="1371600" indent="0">
-              <a:buNone/>
-              <a:defRPr sz="1600" b="1"/>
+            <a:lvl4pPr marL="1028700" indent="0">
+              <a:buNone/>
+              <a:defRPr sz="1200" b="1"/>
             </a:lvl4pPr>
-            <a:lvl5pPr marL="1828800" indent="0">
-              <a:buNone/>
-              <a:defRPr sz="1600" b="1"/>
+            <a:lvl5pPr marL="1371600" indent="0">
+              <a:buNone/>
+              <a:defRPr sz="1200" b="1"/>
             </a:lvl5pPr>
-            <a:lvl6pPr marL="2286000" indent="0">
-              <a:buNone/>
-              <a:defRPr sz="1600" b="1"/>
+            <a:lvl6pPr marL="1714500" indent="0">
+              <a:buNone/>
+              <a:defRPr sz="1200" b="1"/>
             </a:lvl6pPr>
-            <a:lvl7pPr marL="2743200" indent="0">
-              <a:buNone/>
-              <a:defRPr sz="1600" b="1"/>
+            <a:lvl7pPr marL="2057400" indent="0">
+              <a:buNone/>
+              <a:defRPr sz="1200" b="1"/>
             </a:lvl7pPr>
-            <a:lvl8pPr marL="3200400" indent="0">
-              <a:buNone/>
-              <a:defRPr sz="1600" b="1"/>
+            <a:lvl8pPr marL="2400300" indent="0">
+              <a:buNone/>
+              <a:defRPr sz="1200" b="1"/>
             </a:lvl8pPr>
-            <a:lvl9pPr marL="3657600" indent="0">
-              <a:buNone/>
-              <a:defRPr sz="1600" b="1"/>
+            <a:lvl9pPr marL="2743200" indent="0">
+              <a:buNone/>
+              <a:defRPr sz="1200" b="1"/>
             </a:lvl9pPr>
           </a:lstStyle>
           <a:p>
             <a:pPr lvl="0"/>
             <a:r>
               <a:rPr lang="en-US"/>
-              <a:t>Edit Master text styles</a:t>
-            </a:r>
-          </a:p>
-        </p:txBody>
-      </p:sp>
-      <p:sp>
-        <p:nvSpPr>
-          <p:cNvPr id="6" name="Content Placeholder 5">
-            <a:extLst>
-              <a:ext uri="{FF2B5EF4-FFF2-40B4-BE49-F238E27FC236}">
-                <a16:creationId xmlns:a16="http://schemas.microsoft.com/office/drawing/2014/main" id="{204367AF-A38E-4D44-BF69-59C2A1DA38F4}"/>
-              </a:ext>
-            </a:extLst>
-          </p:cNvPr>
+              <a:t>Click to edit Master text styles</a:t>
+            </a:r>
+          </a:p>
+        </p:txBody>
+      </p:sp>
+      <p:sp>
+        <p:nvSpPr>
+          <p:cNvPr id="6" name="Content Placeholder 5"/>
           <p:cNvSpPr>
             <a:spLocks noGrp="1"/>
           </p:cNvSpPr>
@@ -1743,8 +1544,8 @@
         </p:nvSpPr>
         <p:spPr>
           <a:xfrm>
-            <a:off x="6172200" y="2505075"/>
-            <a:ext cx="5183188" cy="3684588"/>
+            <a:off x="3471863" y="3340100"/>
+            <a:ext cx="2915543" cy="4912784"/>
           </a:xfrm>
         </p:spPr>
         <p:txBody>
@@ -1754,7 +1555,7 @@
             <a:pPr lvl="0"/>
             <a:r>
               <a:rPr lang="en-US"/>
-              <a:t>Edit Master text styles</a:t>
+              <a:t>Click to edit Master text styles</a:t>
             </a:r>
           </a:p>
           <a:p>
@@ -1784,18 +1585,13 @@
               <a:rPr lang="en-US"/>
               <a:t>Fifth level</a:t>
             </a:r>
-          </a:p>
-        </p:txBody>
-      </p:sp>
-      <p:sp>
-        <p:nvSpPr>
-          <p:cNvPr id="7" name="Date Placeholder 6">
-            <a:extLst>
-              <a:ext uri="{FF2B5EF4-FFF2-40B4-BE49-F238E27FC236}">
-                <a16:creationId xmlns:a16="http://schemas.microsoft.com/office/drawing/2014/main" id="{14785A23-0099-D54D-8CEC-BF57F7C6D114}"/>
-              </a:ext>
-            </a:extLst>
-          </p:cNvPr>
+            <a:endParaRPr lang="en-US" dirty="0"/>
+          </a:p>
+        </p:txBody>
+      </p:sp>
+      <p:sp>
+        <p:nvSpPr>
+          <p:cNvPr id="7" name="Date Placeholder 6"/>
           <p:cNvSpPr>
             <a:spLocks noGrp="1"/>
           </p:cNvSpPr>
@@ -1810,7 +1606,7 @@
           <a:p>
             <a:fld id="{1003A46B-F994-5B40-B551-F7E9923C46F9}" type="datetimeFigureOut">
               <a:rPr lang="en-US" smtClean="0"/>
-              <a:t>4/15/20</a:t>
+              <a:t>4/21/20</a:t>
             </a:fld>
             <a:endParaRPr lang="en-US"/>
           </a:p>
@@ -1818,13 +1614,7 @@
       </p:sp>
       <p:sp>
         <p:nvSpPr>
-          <p:cNvPr id="8" name="Footer Placeholder 7">
-            <a:extLst>
-              <a:ext uri="{FF2B5EF4-FFF2-40B4-BE49-F238E27FC236}">
-                <a16:creationId xmlns:a16="http://schemas.microsoft.com/office/drawing/2014/main" id="{3B202BE3-D0FE-F445-A272-B1F8E5A0DD5F}"/>
-              </a:ext>
-            </a:extLst>
-          </p:cNvPr>
+          <p:cNvPr id="8" name="Footer Placeholder 7"/>
           <p:cNvSpPr>
             <a:spLocks noGrp="1"/>
           </p:cNvSpPr>
@@ -1843,13 +1633,7 @@
       </p:sp>
       <p:sp>
         <p:nvSpPr>
-          <p:cNvPr id="9" name="Slide Number Placeholder 8">
-            <a:extLst>
-              <a:ext uri="{FF2B5EF4-FFF2-40B4-BE49-F238E27FC236}">
-                <a16:creationId xmlns:a16="http://schemas.microsoft.com/office/drawing/2014/main" id="{DEE2A1DE-FB47-8F48-B748-4A00BBAE47D7}"/>
-              </a:ext>
-            </a:extLst>
-          </p:cNvPr>
+          <p:cNvPr id="9" name="Slide Number Placeholder 8"/>
           <p:cNvSpPr>
             <a:spLocks noGrp="1"/>
           </p:cNvSpPr>
@@ -1873,7 +1657,7 @@
     </p:spTree>
     <p:extLst>
       <p:ext uri="{BB962C8B-B14F-4D97-AF65-F5344CB8AC3E}">
-        <p14:creationId xmlns:p14="http://schemas.microsoft.com/office/powerpoint/2010/main" val="652437584"/>
+        <p14:creationId xmlns:p14="http://schemas.microsoft.com/office/powerpoint/2010/main" val="3509121153"/>
       </p:ext>
     </p:extLst>
   </p:cSld>
@@ -1902,13 +1686,7 @@
       </p:grpSpPr>
       <p:sp>
         <p:nvSpPr>
-          <p:cNvPr id="2" name="Title 1">
-            <a:extLst>
-              <a:ext uri="{FF2B5EF4-FFF2-40B4-BE49-F238E27FC236}">
-                <a16:creationId xmlns:a16="http://schemas.microsoft.com/office/drawing/2014/main" id="{48A55971-752E-CC47-9ACA-EBA80EA8E442}"/>
-              </a:ext>
-            </a:extLst>
-          </p:cNvPr>
+          <p:cNvPr id="2" name="Title 1"/>
           <p:cNvSpPr>
             <a:spLocks noGrp="1"/>
           </p:cNvSpPr>
@@ -1925,18 +1703,13 @@
               <a:rPr lang="en-US"/>
               <a:t>Click to edit Master title style</a:t>
             </a:r>
-          </a:p>
-        </p:txBody>
-      </p:sp>
-      <p:sp>
-        <p:nvSpPr>
-          <p:cNvPr id="3" name="Date Placeholder 2">
-            <a:extLst>
-              <a:ext uri="{FF2B5EF4-FFF2-40B4-BE49-F238E27FC236}">
-                <a16:creationId xmlns:a16="http://schemas.microsoft.com/office/drawing/2014/main" id="{B022AFA4-3425-6247-89DE-ACD3F9E2437D}"/>
-              </a:ext>
-            </a:extLst>
-          </p:cNvPr>
+            <a:endParaRPr lang="en-US" dirty="0"/>
+          </a:p>
+        </p:txBody>
+      </p:sp>
+      <p:sp>
+        <p:nvSpPr>
+          <p:cNvPr id="3" name="Date Placeholder 2"/>
           <p:cNvSpPr>
             <a:spLocks noGrp="1"/>
           </p:cNvSpPr>
@@ -1951,7 +1724,7 @@
           <a:p>
             <a:fld id="{1003A46B-F994-5B40-B551-F7E9923C46F9}" type="datetimeFigureOut">
               <a:rPr lang="en-US" smtClean="0"/>
-              <a:t>4/15/20</a:t>
+              <a:t>4/21/20</a:t>
             </a:fld>
             <a:endParaRPr lang="en-US"/>
           </a:p>
@@ -1959,13 +1732,7 @@
       </p:sp>
       <p:sp>
         <p:nvSpPr>
-          <p:cNvPr id="4" name="Footer Placeholder 3">
-            <a:extLst>
-              <a:ext uri="{FF2B5EF4-FFF2-40B4-BE49-F238E27FC236}">
-                <a16:creationId xmlns:a16="http://schemas.microsoft.com/office/drawing/2014/main" id="{867273F8-6C35-124C-B48C-5BAE1A140549}"/>
-              </a:ext>
-            </a:extLst>
-          </p:cNvPr>
+          <p:cNvPr id="4" name="Footer Placeholder 3"/>
           <p:cNvSpPr>
             <a:spLocks noGrp="1"/>
           </p:cNvSpPr>
@@ -1984,13 +1751,7 @@
       </p:sp>
       <p:sp>
         <p:nvSpPr>
-          <p:cNvPr id="5" name="Slide Number Placeholder 4">
-            <a:extLst>
-              <a:ext uri="{FF2B5EF4-FFF2-40B4-BE49-F238E27FC236}">
-                <a16:creationId xmlns:a16="http://schemas.microsoft.com/office/drawing/2014/main" id="{770A4B1C-070C-A04C-950F-3272B62973C7}"/>
-              </a:ext>
-            </a:extLst>
-          </p:cNvPr>
+          <p:cNvPr id="5" name="Slide Number Placeholder 4"/>
           <p:cNvSpPr>
             <a:spLocks noGrp="1"/>
           </p:cNvSpPr>
@@ -2014,7 +1775,7 @@
     </p:spTree>
     <p:extLst>
       <p:ext uri="{BB962C8B-B14F-4D97-AF65-F5344CB8AC3E}">
-        <p14:creationId xmlns:p14="http://schemas.microsoft.com/office/powerpoint/2010/main" val="1043753116"/>
+        <p14:creationId xmlns:p14="http://schemas.microsoft.com/office/powerpoint/2010/main" val="304955428"/>
       </p:ext>
     </p:extLst>
   </p:cSld>
@@ -2043,13 +1804,7 @@
       </p:grpSpPr>
       <p:sp>
         <p:nvSpPr>
-          <p:cNvPr id="2" name="Date Placeholder 1">
-            <a:extLst>
-              <a:ext uri="{FF2B5EF4-FFF2-40B4-BE49-F238E27FC236}">
-                <a16:creationId xmlns:a16="http://schemas.microsoft.com/office/drawing/2014/main" id="{48D5D8E8-8EA1-1149-97C8-45099170861A}"/>
-              </a:ext>
-            </a:extLst>
-          </p:cNvPr>
+          <p:cNvPr id="2" name="Date Placeholder 1"/>
           <p:cNvSpPr>
             <a:spLocks noGrp="1"/>
           </p:cNvSpPr>
@@ -2064,7 +1819,7 @@
           <a:p>
             <a:fld id="{1003A46B-F994-5B40-B551-F7E9923C46F9}" type="datetimeFigureOut">
               <a:rPr lang="en-US" smtClean="0"/>
-              <a:t>4/15/20</a:t>
+              <a:t>4/21/20</a:t>
             </a:fld>
             <a:endParaRPr lang="en-US"/>
           </a:p>
@@ -2072,13 +1827,7 @@
       </p:sp>
       <p:sp>
         <p:nvSpPr>
-          <p:cNvPr id="3" name="Footer Placeholder 2">
-            <a:extLst>
-              <a:ext uri="{FF2B5EF4-FFF2-40B4-BE49-F238E27FC236}">
-                <a16:creationId xmlns:a16="http://schemas.microsoft.com/office/drawing/2014/main" id="{DED53517-EBF1-7D4F-B2BD-864982F983FF}"/>
-              </a:ext>
-            </a:extLst>
-          </p:cNvPr>
+          <p:cNvPr id="3" name="Footer Placeholder 2"/>
           <p:cNvSpPr>
             <a:spLocks noGrp="1"/>
           </p:cNvSpPr>
@@ -2097,13 +1846,7 @@
       </p:sp>
       <p:sp>
         <p:nvSpPr>
-          <p:cNvPr id="4" name="Slide Number Placeholder 3">
-            <a:extLst>
-              <a:ext uri="{FF2B5EF4-FFF2-40B4-BE49-F238E27FC236}">
-                <a16:creationId xmlns:a16="http://schemas.microsoft.com/office/drawing/2014/main" id="{F5021CB7-AA76-A84B-AD2D-BED8A673217B}"/>
-              </a:ext>
-            </a:extLst>
-          </p:cNvPr>
+          <p:cNvPr id="4" name="Slide Number Placeholder 3"/>
           <p:cNvSpPr>
             <a:spLocks noGrp="1"/>
           </p:cNvSpPr>
@@ -2127,7 +1870,7 @@
     </p:spTree>
     <p:extLst>
       <p:ext uri="{BB962C8B-B14F-4D97-AF65-F5344CB8AC3E}">
-        <p14:creationId xmlns:p14="http://schemas.microsoft.com/office/powerpoint/2010/main" val="276403331"/>
+        <p14:creationId xmlns:p14="http://schemas.microsoft.com/office/powerpoint/2010/main" val="1137650336"/>
       </p:ext>
     </p:extLst>
   </p:cSld>
@@ -2156,13 +1899,7 @@
       </p:grpSpPr>
       <p:sp>
         <p:nvSpPr>
-          <p:cNvPr id="2" name="Title 1">
-            <a:extLst>
-              <a:ext uri="{FF2B5EF4-FFF2-40B4-BE49-F238E27FC236}">
-                <a16:creationId xmlns:a16="http://schemas.microsoft.com/office/drawing/2014/main" id="{1AF64FFA-8319-5441-9FE8-37C82762329C}"/>
-              </a:ext>
-            </a:extLst>
-          </p:cNvPr>
+          <p:cNvPr id="2" name="Title 1"/>
           <p:cNvSpPr>
             <a:spLocks noGrp="1"/>
           </p:cNvSpPr>
@@ -2172,15 +1909,15 @@
         </p:nvSpPr>
         <p:spPr>
           <a:xfrm>
-            <a:off x="839788" y="457200"/>
-            <a:ext cx="3932237" cy="1600200"/>
+            <a:off x="472381" y="609600"/>
+            <a:ext cx="2211884" cy="2133600"/>
           </a:xfrm>
         </p:spPr>
         <p:txBody>
           <a:bodyPr anchor="b"/>
           <a:lstStyle>
             <a:lvl1pPr>
-              <a:defRPr sz="3200"/>
+              <a:defRPr sz="2400"/>
             </a:lvl1pPr>
           </a:lstStyle>
           <a:p>
@@ -2188,18 +1925,13 @@
               <a:rPr lang="en-US"/>
               <a:t>Click to edit Master title style</a:t>
             </a:r>
-          </a:p>
-        </p:txBody>
-      </p:sp>
-      <p:sp>
-        <p:nvSpPr>
-          <p:cNvPr id="3" name="Content Placeholder 2">
-            <a:extLst>
-              <a:ext uri="{FF2B5EF4-FFF2-40B4-BE49-F238E27FC236}">
-                <a16:creationId xmlns:a16="http://schemas.microsoft.com/office/drawing/2014/main" id="{28E07C0A-9B71-3948-A0EE-C08ACC3CE1F1}"/>
-              </a:ext>
-            </a:extLst>
-          </p:cNvPr>
+            <a:endParaRPr lang="en-US" dirty="0"/>
+          </a:p>
+        </p:txBody>
+      </p:sp>
+      <p:sp>
+        <p:nvSpPr>
+          <p:cNvPr id="3" name="Content Placeholder 2"/>
           <p:cNvSpPr>
             <a:spLocks noGrp="1"/>
           </p:cNvSpPr>
@@ -2209,46 +1941,46 @@
         </p:nvSpPr>
         <p:spPr>
           <a:xfrm>
-            <a:off x="5183188" y="987425"/>
-            <a:ext cx="6172200" cy="4873625"/>
+            <a:off x="2915543" y="1316569"/>
+            <a:ext cx="3471863" cy="6498167"/>
           </a:xfrm>
         </p:spPr>
         <p:txBody>
           <a:bodyPr/>
           <a:lstStyle>
             <a:lvl1pPr>
-              <a:defRPr sz="3200"/>
+              <a:defRPr sz="2400"/>
             </a:lvl1pPr>
             <a:lvl2pPr>
-              <a:defRPr sz="2800"/>
+              <a:defRPr sz="2100"/>
             </a:lvl2pPr>
             <a:lvl3pPr>
-              <a:defRPr sz="2400"/>
+              <a:defRPr sz="1800"/>
             </a:lvl3pPr>
             <a:lvl4pPr>
-              <a:defRPr sz="2000"/>
+              <a:defRPr sz="1500"/>
             </a:lvl4pPr>
             <a:lvl5pPr>
-              <a:defRPr sz="2000"/>
+              <a:defRPr sz="1500"/>
             </a:lvl5pPr>
             <a:lvl6pPr>
-              <a:defRPr sz="2000"/>
+              <a:defRPr sz="1500"/>
             </a:lvl6pPr>
             <a:lvl7pPr>
-              <a:defRPr sz="2000"/>
+              <a:defRPr sz="1500"/>
             </a:lvl7pPr>
             <a:lvl8pPr>
-              <a:defRPr sz="2000"/>
+              <a:defRPr sz="1500"/>
             </a:lvl8pPr>
             <a:lvl9pPr>
-              <a:defRPr sz="2000"/>
+              <a:defRPr sz="1500"/>
             </a:lvl9pPr>
           </a:lstStyle>
           <a:p>
             <a:pPr lvl="0"/>
             <a:r>
               <a:rPr lang="en-US"/>
-              <a:t>Edit Master text styles</a:t>
+              <a:t>Click to edit Master text styles</a:t>
             </a:r>
           </a:p>
           <a:p>
@@ -2278,18 +2010,13 @@
               <a:rPr lang="en-US"/>
               <a:t>Fifth level</a:t>
             </a:r>
-          </a:p>
-        </p:txBody>
-      </p:sp>
-      <p:sp>
-        <p:nvSpPr>
-          <p:cNvPr id="4" name="Text Placeholder 3">
-            <a:extLst>
-              <a:ext uri="{FF2B5EF4-FFF2-40B4-BE49-F238E27FC236}">
-                <a16:creationId xmlns:a16="http://schemas.microsoft.com/office/drawing/2014/main" id="{183C7071-6ECB-8743-ADE6-EFDB6BBA5899}"/>
-              </a:ext>
-            </a:extLst>
-          </p:cNvPr>
+            <a:endParaRPr lang="en-US" dirty="0"/>
+          </a:p>
+        </p:txBody>
+      </p:sp>
+      <p:sp>
+        <p:nvSpPr>
+          <p:cNvPr id="4" name="Text Placeholder 3"/>
           <p:cNvSpPr>
             <a:spLocks noGrp="1"/>
           </p:cNvSpPr>
@@ -2299,8 +2026,8 @@
         </p:nvSpPr>
         <p:spPr>
           <a:xfrm>
-            <a:off x="839788" y="2057400"/>
-            <a:ext cx="3932237" cy="3811588"/>
+            <a:off x="472381" y="2743200"/>
+            <a:ext cx="2211884" cy="5082117"/>
           </a:xfrm>
         </p:spPr>
         <p:txBody>
@@ -2308,59 +2035,53 @@
           <a:lstStyle>
             <a:lvl1pPr marL="0" indent="0">
               <a:buNone/>
-              <a:defRPr sz="1600"/>
+              <a:defRPr sz="1200"/>
             </a:lvl1pPr>
-            <a:lvl2pPr marL="457200" indent="0">
-              <a:buNone/>
-              <a:defRPr sz="1400"/>
+            <a:lvl2pPr marL="342900" indent="0">
+              <a:buNone/>
+              <a:defRPr sz="1050"/>
             </a:lvl2pPr>
-            <a:lvl3pPr marL="914400" indent="0">
-              <a:buNone/>
-              <a:defRPr sz="1200"/>
+            <a:lvl3pPr marL="685800" indent="0">
+              <a:buNone/>
+              <a:defRPr sz="900"/>
             </a:lvl3pPr>
-            <a:lvl4pPr marL="1371600" indent="0">
-              <a:buNone/>
-              <a:defRPr sz="1000"/>
+            <a:lvl4pPr marL="1028700" indent="0">
+              <a:buNone/>
+              <a:defRPr sz="750"/>
             </a:lvl4pPr>
-            <a:lvl5pPr marL="1828800" indent="0">
-              <a:buNone/>
-              <a:defRPr sz="1000"/>
+            <a:lvl5pPr marL="1371600" indent="0">
+              <a:buNone/>
+              <a:defRPr sz="750"/>
             </a:lvl5pPr>
-            <a:lvl6pPr marL="2286000" indent="0">
-              <a:buNone/>
-              <a:defRPr sz="1000"/>
+            <a:lvl6pPr marL="1714500" indent="0">
+              <a:buNone/>
+              <a:defRPr sz="750"/>
             </a:lvl6pPr>
-            <a:lvl7pPr marL="2743200" indent="0">
-              <a:buNone/>
-              <a:defRPr sz="1000"/>
+            <a:lvl7pPr marL="2057400" indent="0">
+              <a:buNone/>
+              <a:defRPr sz="750"/>
             </a:lvl7pPr>
-            <a:lvl8pPr marL="3200400" indent="0">
-              <a:buNone/>
-              <a:defRPr sz="1000"/>
+            <a:lvl8pPr marL="2400300" indent="0">
+              <a:buNone/>
+              <a:defRPr sz="750"/>
             </a:lvl8pPr>
-            <a:lvl9pPr marL="3657600" indent="0">
-              <a:buNone/>
-              <a:defRPr sz="1000"/>
+            <a:lvl9pPr marL="2743200" indent="0">
+              <a:buNone/>
+              <a:defRPr sz="750"/>
             </a:lvl9pPr>
           </a:lstStyle>
           <a:p>
             <a:pPr lvl="0"/>
             <a:r>
               <a:rPr lang="en-US"/>
-              <a:t>Edit Master text styles</a:t>
-            </a:r>
-          </a:p>
-        </p:txBody>
-      </p:sp>
-      <p:sp>
-        <p:nvSpPr>
-          <p:cNvPr id="5" name="Date Placeholder 4">
-            <a:extLst>
-              <a:ext uri="{FF2B5EF4-FFF2-40B4-BE49-F238E27FC236}">
-                <a16:creationId xmlns:a16="http://schemas.microsoft.com/office/drawing/2014/main" id="{A2F369BF-7185-AA46-9000-CD7D8A0102FD}"/>
-              </a:ext>
-            </a:extLst>
-          </p:cNvPr>
+              <a:t>Click to edit Master text styles</a:t>
+            </a:r>
+          </a:p>
+        </p:txBody>
+      </p:sp>
+      <p:sp>
+        <p:nvSpPr>
+          <p:cNvPr id="5" name="Date Placeholder 4"/>
           <p:cNvSpPr>
             <a:spLocks noGrp="1"/>
           </p:cNvSpPr>
@@ -2375,7 +2096,7 @@
           <a:p>
             <a:fld id="{1003A46B-F994-5B40-B551-F7E9923C46F9}" type="datetimeFigureOut">
               <a:rPr lang="en-US" smtClean="0"/>
-              <a:t>4/15/20</a:t>
+              <a:t>4/21/20</a:t>
             </a:fld>
             <a:endParaRPr lang="en-US"/>
           </a:p>
@@ -2383,13 +2104,7 @@
       </p:sp>
       <p:sp>
         <p:nvSpPr>
-          <p:cNvPr id="6" name="Footer Placeholder 5">
-            <a:extLst>
-              <a:ext uri="{FF2B5EF4-FFF2-40B4-BE49-F238E27FC236}">
-                <a16:creationId xmlns:a16="http://schemas.microsoft.com/office/drawing/2014/main" id="{49BBC2DF-F061-9844-A8E5-9C7651BB53FC}"/>
-              </a:ext>
-            </a:extLst>
-          </p:cNvPr>
+          <p:cNvPr id="6" name="Footer Placeholder 5"/>
           <p:cNvSpPr>
             <a:spLocks noGrp="1"/>
           </p:cNvSpPr>
@@ -2408,13 +2123,7 @@
       </p:sp>
       <p:sp>
         <p:nvSpPr>
-          <p:cNvPr id="7" name="Slide Number Placeholder 6">
-            <a:extLst>
-              <a:ext uri="{FF2B5EF4-FFF2-40B4-BE49-F238E27FC236}">
-                <a16:creationId xmlns:a16="http://schemas.microsoft.com/office/drawing/2014/main" id="{FB85ABF7-7353-5E40-A06F-90B5544035C2}"/>
-              </a:ext>
-            </a:extLst>
-          </p:cNvPr>
+          <p:cNvPr id="7" name="Slide Number Placeholder 6"/>
           <p:cNvSpPr>
             <a:spLocks noGrp="1"/>
           </p:cNvSpPr>
@@ -2438,7 +2147,7 @@
     </p:spTree>
     <p:extLst>
       <p:ext uri="{BB962C8B-B14F-4D97-AF65-F5344CB8AC3E}">
-        <p14:creationId xmlns:p14="http://schemas.microsoft.com/office/powerpoint/2010/main" val="400812471"/>
+        <p14:creationId xmlns:p14="http://schemas.microsoft.com/office/powerpoint/2010/main" val="3066410162"/>
       </p:ext>
     </p:extLst>
   </p:cSld>
@@ -2467,13 +2176,7 @@
       </p:grpSpPr>
       <p:sp>
         <p:nvSpPr>
-          <p:cNvPr id="2" name="Title 1">
-            <a:extLst>
-              <a:ext uri="{FF2B5EF4-FFF2-40B4-BE49-F238E27FC236}">
-                <a16:creationId xmlns:a16="http://schemas.microsoft.com/office/drawing/2014/main" id="{05C6B9C9-E9BA-3449-9827-1677F0DEA1DB}"/>
-              </a:ext>
-            </a:extLst>
-          </p:cNvPr>
+          <p:cNvPr id="2" name="Title 1"/>
           <p:cNvSpPr>
             <a:spLocks noGrp="1"/>
           </p:cNvSpPr>
@@ -2483,15 +2186,15 @@
         </p:nvSpPr>
         <p:spPr>
           <a:xfrm>
-            <a:off x="839788" y="457200"/>
-            <a:ext cx="3932237" cy="1600200"/>
+            <a:off x="472381" y="609600"/>
+            <a:ext cx="2211884" cy="2133600"/>
           </a:xfrm>
         </p:spPr>
         <p:txBody>
           <a:bodyPr anchor="b"/>
           <a:lstStyle>
             <a:lvl1pPr>
-              <a:defRPr sz="3200"/>
+              <a:defRPr sz="2400"/>
             </a:lvl1pPr>
           </a:lstStyle>
           <a:p>
@@ -2499,20 +2202,15 @@
               <a:rPr lang="en-US"/>
               <a:t>Click to edit Master title style</a:t>
             </a:r>
-          </a:p>
-        </p:txBody>
-      </p:sp>
-      <p:sp>
-        <p:nvSpPr>
-          <p:cNvPr id="3" name="Picture Placeholder 2">
-            <a:extLst>
-              <a:ext uri="{FF2B5EF4-FFF2-40B4-BE49-F238E27FC236}">
-                <a16:creationId xmlns:a16="http://schemas.microsoft.com/office/drawing/2014/main" id="{31F12FDE-3B59-A74C-8090-A3531B6644E8}"/>
-              </a:ext>
-            </a:extLst>
-          </p:cNvPr>
-          <p:cNvSpPr>
-            <a:spLocks noGrp="1"/>
+            <a:endParaRPr lang="en-US" dirty="0"/>
+          </a:p>
+        </p:txBody>
+      </p:sp>
+      <p:sp>
+        <p:nvSpPr>
+          <p:cNvPr id="3" name="Picture Placeholder 2"/>
+          <p:cNvSpPr>
+            <a:spLocks noGrp="1" noChangeAspect="1"/>
           </p:cNvSpPr>
           <p:nvPr>
             <p:ph type="pic" idx="1"/>
@@ -2520,64 +2218,62 @@
         </p:nvSpPr>
         <p:spPr>
           <a:xfrm>
-            <a:off x="5183188" y="987425"/>
-            <a:ext cx="6172200" cy="4873625"/>
+            <a:off x="2915543" y="1316569"/>
+            <a:ext cx="3471863" cy="6498167"/>
           </a:xfrm>
         </p:spPr>
         <p:txBody>
-          <a:bodyPr/>
+          <a:bodyPr anchor="t"/>
           <a:lstStyle>
             <a:lvl1pPr marL="0" indent="0">
               <a:buNone/>
-              <a:defRPr sz="3200"/>
+              <a:defRPr sz="2400"/>
             </a:lvl1pPr>
-            <a:lvl2pPr marL="457200" indent="0">
-              <a:buNone/>
-              <a:defRPr sz="2800"/>
+            <a:lvl2pPr marL="342900" indent="0">
+              <a:buNone/>
+              <a:defRPr sz="2100"/>
             </a:lvl2pPr>
-            <a:lvl3pPr marL="914400" indent="0">
-              <a:buNone/>
-              <a:defRPr sz="2400"/>
+            <a:lvl3pPr marL="685800" indent="0">
+              <a:buNone/>
+              <a:defRPr sz="1800"/>
             </a:lvl3pPr>
-            <a:lvl4pPr marL="1371600" indent="0">
-              <a:buNone/>
-              <a:defRPr sz="2000"/>
+            <a:lvl4pPr marL="1028700" indent="0">
+              <a:buNone/>
+              <a:defRPr sz="1500"/>
             </a:lvl4pPr>
-            <a:lvl5pPr marL="1828800" indent="0">
-              <a:buNone/>
-              <a:defRPr sz="2000"/>
+            <a:lvl5pPr marL="1371600" indent="0">
+              <a:buNone/>
+              <a:defRPr sz="1500"/>
             </a:lvl5pPr>
-            <a:lvl6pPr marL="2286000" indent="0">
-              <a:buNone/>
-              <a:defRPr sz="2000"/>
+            <a:lvl6pPr marL="1714500" indent="0">
+              <a:buNone/>
+              <a:defRPr sz="1500"/>
             </a:lvl6pPr>
-            <a:lvl7pPr marL="2743200" indent="0">
-              <a:buNone/>
-              <a:defRPr sz="2000"/>
+            <a:lvl7pPr marL="2057400" indent="0">
+              <a:buNone/>
+              <a:defRPr sz="1500"/>
             </a:lvl7pPr>
-            <a:lvl8pPr marL="3200400" indent="0">
-              <a:buNone/>
-              <a:defRPr sz="2000"/>
+            <a:lvl8pPr marL="2400300" indent="0">
+              <a:buNone/>
+              <a:defRPr sz="1500"/>
             </a:lvl8pPr>
-            <a:lvl9pPr marL="3657600" indent="0">
-              <a:buNone/>
-              <a:defRPr sz="2000"/>
+            <a:lvl9pPr marL="2743200" indent="0">
+              <a:buNone/>
+              <a:defRPr sz="1500"/>
             </a:lvl9pPr>
           </a:lstStyle>
           <a:p>
-            <a:endParaRPr lang="en-US"/>
-          </a:p>
-        </p:txBody>
-      </p:sp>
-      <p:sp>
-        <p:nvSpPr>
-          <p:cNvPr id="4" name="Text Placeholder 3">
-            <a:extLst>
-              <a:ext uri="{FF2B5EF4-FFF2-40B4-BE49-F238E27FC236}">
-                <a16:creationId xmlns:a16="http://schemas.microsoft.com/office/drawing/2014/main" id="{278A01AB-3F31-6D48-B437-5DD3E3A49C10}"/>
-              </a:ext>
-            </a:extLst>
-          </p:cNvPr>
+            <a:r>
+              <a:rPr lang="en-US"/>
+              <a:t>Click icon to add picture</a:t>
+            </a:r>
+            <a:endParaRPr lang="en-US" dirty="0"/>
+          </a:p>
+        </p:txBody>
+      </p:sp>
+      <p:sp>
+        <p:nvSpPr>
+          <p:cNvPr id="4" name="Text Placeholder 3"/>
           <p:cNvSpPr>
             <a:spLocks noGrp="1"/>
           </p:cNvSpPr>
@@ -2587,8 +2283,8 @@
         </p:nvSpPr>
         <p:spPr>
           <a:xfrm>
-            <a:off x="839788" y="2057400"/>
-            <a:ext cx="3932237" cy="3811588"/>
+            <a:off x="472381" y="2743200"/>
+            <a:ext cx="2211884" cy="5082117"/>
           </a:xfrm>
         </p:spPr>
         <p:txBody>
@@ -2596,59 +2292,53 @@
           <a:lstStyle>
             <a:lvl1pPr marL="0" indent="0">
               <a:buNone/>
-              <a:defRPr sz="1600"/>
+              <a:defRPr sz="1200"/>
             </a:lvl1pPr>
-            <a:lvl2pPr marL="457200" indent="0">
-              <a:buNone/>
-              <a:defRPr sz="1400"/>
+            <a:lvl2pPr marL="342900" indent="0">
+              <a:buNone/>
+              <a:defRPr sz="1050"/>
             </a:lvl2pPr>
-            <a:lvl3pPr marL="914400" indent="0">
-              <a:buNone/>
-              <a:defRPr sz="1200"/>
+            <a:lvl3pPr marL="685800" indent="0">
+              <a:buNone/>
+              <a:defRPr sz="900"/>
             </a:lvl3pPr>
-            <a:lvl4pPr marL="1371600" indent="0">
-              <a:buNone/>
-              <a:defRPr sz="1000"/>
+            <a:lvl4pPr marL="1028700" indent="0">
+              <a:buNone/>
+              <a:defRPr sz="750"/>
             </a:lvl4pPr>
-            <a:lvl5pPr marL="1828800" indent="0">
-              <a:buNone/>
-              <a:defRPr sz="1000"/>
+            <a:lvl5pPr marL="1371600" indent="0">
+              <a:buNone/>
+              <a:defRPr sz="750"/>
             </a:lvl5pPr>
-            <a:lvl6pPr marL="2286000" indent="0">
-              <a:buNone/>
-              <a:defRPr sz="1000"/>
+            <a:lvl6pPr marL="1714500" indent="0">
+              <a:buNone/>
+              <a:defRPr sz="750"/>
             </a:lvl6pPr>
-            <a:lvl7pPr marL="2743200" indent="0">
-              <a:buNone/>
-              <a:defRPr sz="1000"/>
+            <a:lvl7pPr marL="2057400" indent="0">
+              <a:buNone/>
+              <a:defRPr sz="750"/>
             </a:lvl7pPr>
-            <a:lvl8pPr marL="3200400" indent="0">
-              <a:buNone/>
-              <a:defRPr sz="1000"/>
+            <a:lvl8pPr marL="2400300" indent="0">
+              <a:buNone/>
+              <a:defRPr sz="750"/>
             </a:lvl8pPr>
-            <a:lvl9pPr marL="3657600" indent="0">
-              <a:buNone/>
-              <a:defRPr sz="1000"/>
+            <a:lvl9pPr marL="2743200" indent="0">
+              <a:buNone/>
+              <a:defRPr sz="750"/>
             </a:lvl9pPr>
           </a:lstStyle>
           <a:p>
             <a:pPr lvl="0"/>
             <a:r>
               <a:rPr lang="en-US"/>
-              <a:t>Edit Master text styles</a:t>
-            </a:r>
-          </a:p>
-        </p:txBody>
-      </p:sp>
-      <p:sp>
-        <p:nvSpPr>
-          <p:cNvPr id="5" name="Date Placeholder 4">
-            <a:extLst>
-              <a:ext uri="{FF2B5EF4-FFF2-40B4-BE49-F238E27FC236}">
-                <a16:creationId xmlns:a16="http://schemas.microsoft.com/office/drawing/2014/main" id="{C940453C-7B5B-7A44-A5E7-3983884103C9}"/>
-              </a:ext>
-            </a:extLst>
-          </p:cNvPr>
+              <a:t>Click to edit Master text styles</a:t>
+            </a:r>
+          </a:p>
+        </p:txBody>
+      </p:sp>
+      <p:sp>
+        <p:nvSpPr>
+          <p:cNvPr id="5" name="Date Placeholder 4"/>
           <p:cNvSpPr>
             <a:spLocks noGrp="1"/>
           </p:cNvSpPr>
@@ -2663,7 +2353,7 @@
           <a:p>
             <a:fld id="{1003A46B-F994-5B40-B551-F7E9923C46F9}" type="datetimeFigureOut">
               <a:rPr lang="en-US" smtClean="0"/>
-              <a:t>4/15/20</a:t>
+              <a:t>4/21/20</a:t>
             </a:fld>
             <a:endParaRPr lang="en-US"/>
           </a:p>
@@ -2671,13 +2361,7 @@
       </p:sp>
       <p:sp>
         <p:nvSpPr>
-          <p:cNvPr id="6" name="Footer Placeholder 5">
-            <a:extLst>
-              <a:ext uri="{FF2B5EF4-FFF2-40B4-BE49-F238E27FC236}">
-                <a16:creationId xmlns:a16="http://schemas.microsoft.com/office/drawing/2014/main" id="{C5B8AC6D-BE00-6443-9700-57852D3C5773}"/>
-              </a:ext>
-            </a:extLst>
-          </p:cNvPr>
+          <p:cNvPr id="6" name="Footer Placeholder 5"/>
           <p:cNvSpPr>
             <a:spLocks noGrp="1"/>
           </p:cNvSpPr>
@@ -2696,13 +2380,7 @@
       </p:sp>
       <p:sp>
         <p:nvSpPr>
-          <p:cNvPr id="7" name="Slide Number Placeholder 6">
-            <a:extLst>
-              <a:ext uri="{FF2B5EF4-FFF2-40B4-BE49-F238E27FC236}">
-                <a16:creationId xmlns:a16="http://schemas.microsoft.com/office/drawing/2014/main" id="{C23630A2-6F73-BF4F-83C0-4EDFF0D0AEFF}"/>
-              </a:ext>
-            </a:extLst>
-          </p:cNvPr>
+          <p:cNvPr id="7" name="Slide Number Placeholder 6"/>
           <p:cNvSpPr>
             <a:spLocks noGrp="1"/>
           </p:cNvSpPr>
@@ -2726,7 +2404,7 @@
     </p:spTree>
     <p:extLst>
       <p:ext uri="{BB962C8B-B14F-4D97-AF65-F5344CB8AC3E}">
-        <p14:creationId xmlns:p14="http://schemas.microsoft.com/office/powerpoint/2010/main" val="3223304429"/>
+        <p14:creationId xmlns:p14="http://schemas.microsoft.com/office/powerpoint/2010/main" val="2048800585"/>
       </p:ext>
     </p:extLst>
   </p:cSld>
@@ -2760,13 +2438,7 @@
       </p:grpSpPr>
       <p:sp>
         <p:nvSpPr>
-          <p:cNvPr id="2" name="Title Placeholder 1">
-            <a:extLst>
-              <a:ext uri="{FF2B5EF4-FFF2-40B4-BE49-F238E27FC236}">
-                <a16:creationId xmlns:a16="http://schemas.microsoft.com/office/drawing/2014/main" id="{531CB3CE-01AC-4C4E-88DA-54EB397B2504}"/>
-              </a:ext>
-            </a:extLst>
-          </p:cNvPr>
+          <p:cNvPr id="2" name="Title Placeholder 1"/>
           <p:cNvSpPr>
             <a:spLocks noGrp="1"/>
           </p:cNvSpPr>
@@ -2776,8 +2448,8 @@
         </p:nvSpPr>
         <p:spPr>
           <a:xfrm>
-            <a:off x="838200" y="365125"/>
-            <a:ext cx="10515600" cy="1325563"/>
+            <a:off x="471488" y="486836"/>
+            <a:ext cx="5915025" cy="1767417"/>
           </a:xfrm>
           <a:prstGeom prst="rect">
             <a:avLst/>
@@ -2793,18 +2465,13 @@
               <a:rPr lang="en-US"/>
               <a:t>Click to edit Master title style</a:t>
             </a:r>
-          </a:p>
-        </p:txBody>
-      </p:sp>
-      <p:sp>
-        <p:nvSpPr>
-          <p:cNvPr id="3" name="Text Placeholder 2">
-            <a:extLst>
-              <a:ext uri="{FF2B5EF4-FFF2-40B4-BE49-F238E27FC236}">
-                <a16:creationId xmlns:a16="http://schemas.microsoft.com/office/drawing/2014/main" id="{27DD5B9E-FC9B-164E-80C1-6B68706C65B3}"/>
-              </a:ext>
-            </a:extLst>
-          </p:cNvPr>
+            <a:endParaRPr lang="en-US" dirty="0"/>
+          </a:p>
+        </p:txBody>
+      </p:sp>
+      <p:sp>
+        <p:nvSpPr>
+          <p:cNvPr id="3" name="Text Placeholder 2"/>
           <p:cNvSpPr>
             <a:spLocks noGrp="1"/>
           </p:cNvSpPr>
@@ -2814,8 +2481,8 @@
         </p:nvSpPr>
         <p:spPr>
           <a:xfrm>
-            <a:off x="838200" y="1825625"/>
-            <a:ext cx="10515600" cy="4351338"/>
+            <a:off x="471488" y="2434167"/>
+            <a:ext cx="5915025" cy="5801784"/>
           </a:xfrm>
           <a:prstGeom prst="rect">
             <a:avLst/>
@@ -2830,7 +2497,7 @@
             <a:pPr lvl="0"/>
             <a:r>
               <a:rPr lang="en-US"/>
-              <a:t>Edit Master text styles</a:t>
+              <a:t>Click to edit Master text styles</a:t>
             </a:r>
           </a:p>
           <a:p>
@@ -2860,18 +2527,13 @@
               <a:rPr lang="en-US"/>
               <a:t>Fifth level</a:t>
             </a:r>
-          </a:p>
-        </p:txBody>
-      </p:sp>
-      <p:sp>
-        <p:nvSpPr>
-          <p:cNvPr id="4" name="Date Placeholder 3">
-            <a:extLst>
-              <a:ext uri="{FF2B5EF4-FFF2-40B4-BE49-F238E27FC236}">
-                <a16:creationId xmlns:a16="http://schemas.microsoft.com/office/drawing/2014/main" id="{5D955C9C-4FF8-DD49-9728-4F352A525C2A}"/>
-              </a:ext>
-            </a:extLst>
-          </p:cNvPr>
+            <a:endParaRPr lang="en-US" dirty="0"/>
+          </a:p>
+        </p:txBody>
+      </p:sp>
+      <p:sp>
+        <p:nvSpPr>
+          <p:cNvPr id="4" name="Date Placeholder 3"/>
           <p:cNvSpPr>
             <a:spLocks noGrp="1"/>
           </p:cNvSpPr>
@@ -2881,8 +2543,8 @@
         </p:nvSpPr>
         <p:spPr>
           <a:xfrm>
-            <a:off x="838200" y="6356350"/>
-            <a:ext cx="2743200" cy="365125"/>
+            <a:off x="471488" y="8475136"/>
+            <a:ext cx="1543050" cy="486833"/>
           </a:xfrm>
           <a:prstGeom prst="rect">
             <a:avLst/>
@@ -2892,7 +2554,7 @@
           <a:bodyPr vert="horz" lIns="91440" tIns="45720" rIns="91440" bIns="45720" rtlCol="0" anchor="ctr"/>
           <a:lstStyle>
             <a:lvl1pPr algn="l">
-              <a:defRPr sz="1200">
+              <a:defRPr sz="900">
                 <a:solidFill>
                   <a:schemeClr val="tx1">
                     <a:tint val="75000"/>
@@ -2904,7 +2566,7 @@
           <a:p>
             <a:fld id="{1003A46B-F994-5B40-B551-F7E9923C46F9}" type="datetimeFigureOut">
               <a:rPr lang="en-US" smtClean="0"/>
-              <a:t>4/15/20</a:t>
+              <a:t>4/21/20</a:t>
             </a:fld>
             <a:endParaRPr lang="en-US"/>
           </a:p>
@@ -2912,13 +2574,7 @@
       </p:sp>
       <p:sp>
         <p:nvSpPr>
-          <p:cNvPr id="5" name="Footer Placeholder 4">
-            <a:extLst>
-              <a:ext uri="{FF2B5EF4-FFF2-40B4-BE49-F238E27FC236}">
-                <a16:creationId xmlns:a16="http://schemas.microsoft.com/office/drawing/2014/main" id="{4B8FDAA4-6E12-0E43-A617-1971378734D9}"/>
-              </a:ext>
-            </a:extLst>
-          </p:cNvPr>
+          <p:cNvPr id="5" name="Footer Placeholder 4"/>
           <p:cNvSpPr>
             <a:spLocks noGrp="1"/>
           </p:cNvSpPr>
@@ -2928,8 +2584,8 @@
         </p:nvSpPr>
         <p:spPr>
           <a:xfrm>
-            <a:off x="4038600" y="6356350"/>
-            <a:ext cx="4114800" cy="365125"/>
+            <a:off x="2271713" y="8475136"/>
+            <a:ext cx="2314575" cy="486833"/>
           </a:xfrm>
           <a:prstGeom prst="rect">
             <a:avLst/>
@@ -2939,7 +2595,7 @@
           <a:bodyPr vert="horz" lIns="91440" tIns="45720" rIns="91440" bIns="45720" rtlCol="0" anchor="ctr"/>
           <a:lstStyle>
             <a:lvl1pPr algn="ctr">
-              <a:defRPr sz="1200">
+              <a:defRPr sz="900">
                 <a:solidFill>
                   <a:schemeClr val="tx1">
                     <a:tint val="75000"/>
@@ -2955,13 +2611,7 @@
       </p:sp>
       <p:sp>
         <p:nvSpPr>
-          <p:cNvPr id="6" name="Slide Number Placeholder 5">
-            <a:extLst>
-              <a:ext uri="{FF2B5EF4-FFF2-40B4-BE49-F238E27FC236}">
-                <a16:creationId xmlns:a16="http://schemas.microsoft.com/office/drawing/2014/main" id="{A8DE13A6-0B02-1648-8CBD-CD36557E5BEE}"/>
-              </a:ext>
-            </a:extLst>
-          </p:cNvPr>
+          <p:cNvPr id="6" name="Slide Number Placeholder 5"/>
           <p:cNvSpPr>
             <a:spLocks noGrp="1"/>
           </p:cNvSpPr>
@@ -2971,8 +2621,8 @@
         </p:nvSpPr>
         <p:spPr>
           <a:xfrm>
-            <a:off x="8610600" y="6356350"/>
-            <a:ext cx="2743200" cy="365125"/>
+            <a:off x="4843463" y="8475136"/>
+            <a:ext cx="1543050" cy="486833"/>
           </a:xfrm>
           <a:prstGeom prst="rect">
             <a:avLst/>
@@ -2982,7 +2632,7 @@
           <a:bodyPr vert="horz" lIns="91440" tIns="45720" rIns="91440" bIns="45720" rtlCol="0" anchor="ctr"/>
           <a:lstStyle>
             <a:lvl1pPr algn="r">
-              <a:defRPr sz="1200">
+              <a:defRPr sz="900">
                 <a:solidFill>
                   <a:schemeClr val="tx1">
                     <a:tint val="75000"/>
@@ -3003,27 +2653,27 @@
     </p:spTree>
     <p:extLst>
       <p:ext uri="{BB962C8B-B14F-4D97-AF65-F5344CB8AC3E}">
-        <p14:creationId xmlns:p14="http://schemas.microsoft.com/office/powerpoint/2010/main" val="3796785868"/>
+        <p14:creationId xmlns:p14="http://schemas.microsoft.com/office/powerpoint/2010/main" val="598338470"/>
       </p:ext>
     </p:extLst>
   </p:cSld>
   <p:clrMap bg1="lt1" tx1="dk1" bg2="lt2" tx2="dk2" accent1="accent1" accent2="accent2" accent3="accent3" accent4="accent4" accent5="accent5" accent6="accent6" hlink="hlink" folHlink="folHlink"/>
   <p:sldLayoutIdLst>
-    <p:sldLayoutId id="2147483649" r:id="rId1"/>
-    <p:sldLayoutId id="2147483650" r:id="rId2"/>
-    <p:sldLayoutId id="2147483651" r:id="rId3"/>
-    <p:sldLayoutId id="2147483652" r:id="rId4"/>
-    <p:sldLayoutId id="2147483653" r:id="rId5"/>
-    <p:sldLayoutId id="2147483654" r:id="rId6"/>
-    <p:sldLayoutId id="2147483655" r:id="rId7"/>
-    <p:sldLayoutId id="2147483656" r:id="rId8"/>
-    <p:sldLayoutId id="2147483657" r:id="rId9"/>
-    <p:sldLayoutId id="2147483658" r:id="rId10"/>
-    <p:sldLayoutId id="2147483659" r:id="rId11"/>
+    <p:sldLayoutId id="2147483661" r:id="rId1"/>
+    <p:sldLayoutId id="2147483662" r:id="rId2"/>
+    <p:sldLayoutId id="2147483663" r:id="rId3"/>
+    <p:sldLayoutId id="2147483664" r:id="rId4"/>
+    <p:sldLayoutId id="2147483665" r:id="rId5"/>
+    <p:sldLayoutId id="2147483666" r:id="rId6"/>
+    <p:sldLayoutId id="2147483667" r:id="rId7"/>
+    <p:sldLayoutId id="2147483668" r:id="rId8"/>
+    <p:sldLayoutId id="2147483669" r:id="rId9"/>
+    <p:sldLayoutId id="2147483670" r:id="rId10"/>
+    <p:sldLayoutId id="2147483671" r:id="rId11"/>
   </p:sldLayoutIdLst>
   <p:txStyles>
     <p:titleStyle>
-      <a:lvl1pPr algn="l" defTabSz="914400" rtl="0" eaLnBrk="1" latinLnBrk="0" hangingPunct="1">
+      <a:lvl1pPr algn="l" defTabSz="685800" rtl="0" eaLnBrk="1" latinLnBrk="0" hangingPunct="1">
         <a:lnSpc>
           <a:spcPct val="90000"/>
         </a:lnSpc>
@@ -3031,7 +2681,7 @@
           <a:spcPct val="0"/>
         </a:spcBef>
         <a:buNone/>
-        <a:defRPr sz="4400" kern="1200">
+        <a:defRPr sz="3300" kern="1200">
           <a:solidFill>
             <a:schemeClr val="tx1"/>
           </a:solidFill>
@@ -3042,16 +2692,16 @@
       </a:lvl1pPr>
     </p:titleStyle>
     <p:bodyStyle>
-      <a:lvl1pPr marL="228600" indent="-228600" algn="l" defTabSz="914400" rtl="0" eaLnBrk="1" latinLnBrk="0" hangingPunct="1">
+      <a:lvl1pPr marL="171450" indent="-171450" algn="l" defTabSz="685800" rtl="0" eaLnBrk="1" latinLnBrk="0" hangingPunct="1">
         <a:lnSpc>
           <a:spcPct val="90000"/>
         </a:lnSpc>
         <a:spcBef>
-          <a:spcPts val="1000"/>
+          <a:spcPts val="750"/>
         </a:spcBef>
         <a:buFont typeface="Arial" panose="020B0604020202020204" pitchFamily="34" charset="0"/>
         <a:buChar char="•"/>
-        <a:defRPr sz="2800" kern="1200">
+        <a:defRPr sz="2100" kern="1200">
           <a:solidFill>
             <a:schemeClr val="tx1"/>
           </a:solidFill>
@@ -3060,48 +2710,12 @@
           <a:cs typeface="+mn-cs"/>
         </a:defRPr>
       </a:lvl1pPr>
-      <a:lvl2pPr marL="685800" indent="-228600" algn="l" defTabSz="914400" rtl="0" eaLnBrk="1" latinLnBrk="0" hangingPunct="1">
+      <a:lvl2pPr marL="514350" indent="-171450" algn="l" defTabSz="685800" rtl="0" eaLnBrk="1" latinLnBrk="0" hangingPunct="1">
         <a:lnSpc>
           <a:spcPct val="90000"/>
         </a:lnSpc>
         <a:spcBef>
-          <a:spcPts val="500"/>
-        </a:spcBef>
-        <a:buFont typeface="Arial" panose="020B0604020202020204" pitchFamily="34" charset="0"/>
-        <a:buChar char="•"/>
-        <a:defRPr sz="2400" kern="1200">
-          <a:solidFill>
-            <a:schemeClr val="tx1"/>
-          </a:solidFill>
-          <a:latin typeface="+mn-lt"/>
-          <a:ea typeface="+mn-ea"/>
-          <a:cs typeface="+mn-cs"/>
-        </a:defRPr>
-      </a:lvl2pPr>
-      <a:lvl3pPr marL="1143000" indent="-228600" algn="l" defTabSz="914400" rtl="0" eaLnBrk="1" latinLnBrk="0" hangingPunct="1">
-        <a:lnSpc>
-          <a:spcPct val="90000"/>
-        </a:lnSpc>
-        <a:spcBef>
-          <a:spcPts val="500"/>
-        </a:spcBef>
-        <a:buFont typeface="Arial" panose="020B0604020202020204" pitchFamily="34" charset="0"/>
-        <a:buChar char="•"/>
-        <a:defRPr sz="2000" kern="1200">
-          <a:solidFill>
-            <a:schemeClr val="tx1"/>
-          </a:solidFill>
-          <a:latin typeface="+mn-lt"/>
-          <a:ea typeface="+mn-ea"/>
-          <a:cs typeface="+mn-cs"/>
-        </a:defRPr>
-      </a:lvl3pPr>
-      <a:lvl4pPr marL="1600200" indent="-228600" algn="l" defTabSz="914400" rtl="0" eaLnBrk="1" latinLnBrk="0" hangingPunct="1">
-        <a:lnSpc>
-          <a:spcPct val="90000"/>
-        </a:lnSpc>
-        <a:spcBef>
-          <a:spcPts val="500"/>
+          <a:spcPts val="375"/>
         </a:spcBef>
         <a:buFont typeface="Arial" panose="020B0604020202020204" pitchFamily="34" charset="0"/>
         <a:buChar char="•"/>
@@ -3113,17 +2727,53 @@
           <a:ea typeface="+mn-ea"/>
           <a:cs typeface="+mn-cs"/>
         </a:defRPr>
-      </a:lvl4pPr>
-      <a:lvl5pPr marL="2057400" indent="-228600" algn="l" defTabSz="914400" rtl="0" eaLnBrk="1" latinLnBrk="0" hangingPunct="1">
+      </a:lvl2pPr>
+      <a:lvl3pPr marL="857250" indent="-171450" algn="l" defTabSz="685800" rtl="0" eaLnBrk="1" latinLnBrk="0" hangingPunct="1">
         <a:lnSpc>
           <a:spcPct val="90000"/>
         </a:lnSpc>
         <a:spcBef>
-          <a:spcPts val="500"/>
+          <a:spcPts val="375"/>
         </a:spcBef>
         <a:buFont typeface="Arial" panose="020B0604020202020204" pitchFamily="34" charset="0"/>
         <a:buChar char="•"/>
-        <a:defRPr sz="1800" kern="1200">
+        <a:defRPr sz="1500" kern="1200">
+          <a:solidFill>
+            <a:schemeClr val="tx1"/>
+          </a:solidFill>
+          <a:latin typeface="+mn-lt"/>
+          <a:ea typeface="+mn-ea"/>
+          <a:cs typeface="+mn-cs"/>
+        </a:defRPr>
+      </a:lvl3pPr>
+      <a:lvl4pPr marL="1200150" indent="-171450" algn="l" defTabSz="685800" rtl="0" eaLnBrk="1" latinLnBrk="0" hangingPunct="1">
+        <a:lnSpc>
+          <a:spcPct val="90000"/>
+        </a:lnSpc>
+        <a:spcBef>
+          <a:spcPts val="375"/>
+        </a:spcBef>
+        <a:buFont typeface="Arial" panose="020B0604020202020204" pitchFamily="34" charset="0"/>
+        <a:buChar char="•"/>
+        <a:defRPr sz="1350" kern="1200">
+          <a:solidFill>
+            <a:schemeClr val="tx1"/>
+          </a:solidFill>
+          <a:latin typeface="+mn-lt"/>
+          <a:ea typeface="+mn-ea"/>
+          <a:cs typeface="+mn-cs"/>
+        </a:defRPr>
+      </a:lvl4pPr>
+      <a:lvl5pPr marL="1543050" indent="-171450" algn="l" defTabSz="685800" rtl="0" eaLnBrk="1" latinLnBrk="0" hangingPunct="1">
+        <a:lnSpc>
+          <a:spcPct val="90000"/>
+        </a:lnSpc>
+        <a:spcBef>
+          <a:spcPts val="375"/>
+        </a:spcBef>
+        <a:buFont typeface="Arial" panose="020B0604020202020204" pitchFamily="34" charset="0"/>
+        <a:buChar char="•"/>
+        <a:defRPr sz="1350" kern="1200">
           <a:solidFill>
             <a:schemeClr val="tx1"/>
           </a:solidFill>
@@ -3132,16 +2782,16 @@
           <a:cs typeface="+mn-cs"/>
         </a:defRPr>
       </a:lvl5pPr>
-      <a:lvl6pPr marL="2514600" indent="-228600" algn="l" defTabSz="914400" rtl="0" eaLnBrk="1" latinLnBrk="0" hangingPunct="1">
+      <a:lvl6pPr marL="1885950" indent="-171450" algn="l" defTabSz="685800" rtl="0" eaLnBrk="1" latinLnBrk="0" hangingPunct="1">
         <a:lnSpc>
           <a:spcPct val="90000"/>
         </a:lnSpc>
         <a:spcBef>
-          <a:spcPts val="500"/>
+          <a:spcPts val="375"/>
         </a:spcBef>
         <a:buFont typeface="Arial" panose="020B0604020202020204" pitchFamily="34" charset="0"/>
         <a:buChar char="•"/>
-        <a:defRPr sz="1800" kern="1200">
+        <a:defRPr sz="1350" kern="1200">
           <a:solidFill>
             <a:schemeClr val="tx1"/>
           </a:solidFill>
@@ -3150,16 +2800,16 @@
           <a:cs typeface="+mn-cs"/>
         </a:defRPr>
       </a:lvl6pPr>
-      <a:lvl7pPr marL="2971800" indent="-228600" algn="l" defTabSz="914400" rtl="0" eaLnBrk="1" latinLnBrk="0" hangingPunct="1">
+      <a:lvl7pPr marL="2228850" indent="-171450" algn="l" defTabSz="685800" rtl="0" eaLnBrk="1" latinLnBrk="0" hangingPunct="1">
         <a:lnSpc>
           <a:spcPct val="90000"/>
         </a:lnSpc>
         <a:spcBef>
-          <a:spcPts val="500"/>
+          <a:spcPts val="375"/>
         </a:spcBef>
         <a:buFont typeface="Arial" panose="020B0604020202020204" pitchFamily="34" charset="0"/>
         <a:buChar char="•"/>
-        <a:defRPr sz="1800" kern="1200">
+        <a:defRPr sz="1350" kern="1200">
           <a:solidFill>
             <a:schemeClr val="tx1"/>
           </a:solidFill>
@@ -3168,16 +2818,16 @@
           <a:cs typeface="+mn-cs"/>
         </a:defRPr>
       </a:lvl7pPr>
-      <a:lvl8pPr marL="3429000" indent="-228600" algn="l" defTabSz="914400" rtl="0" eaLnBrk="1" latinLnBrk="0" hangingPunct="1">
+      <a:lvl8pPr marL="2571750" indent="-171450" algn="l" defTabSz="685800" rtl="0" eaLnBrk="1" latinLnBrk="0" hangingPunct="1">
         <a:lnSpc>
           <a:spcPct val="90000"/>
         </a:lnSpc>
         <a:spcBef>
-          <a:spcPts val="500"/>
+          <a:spcPts val="375"/>
         </a:spcBef>
         <a:buFont typeface="Arial" panose="020B0604020202020204" pitchFamily="34" charset="0"/>
         <a:buChar char="•"/>
-        <a:defRPr sz="1800" kern="1200">
+        <a:defRPr sz="1350" kern="1200">
           <a:solidFill>
             <a:schemeClr val="tx1"/>
           </a:solidFill>
@@ -3186,16 +2836,16 @@
           <a:cs typeface="+mn-cs"/>
         </a:defRPr>
       </a:lvl8pPr>
-      <a:lvl9pPr marL="3886200" indent="-228600" algn="l" defTabSz="914400" rtl="0" eaLnBrk="1" latinLnBrk="0" hangingPunct="1">
+      <a:lvl9pPr marL="2914650" indent="-171450" algn="l" defTabSz="685800" rtl="0" eaLnBrk="1" latinLnBrk="0" hangingPunct="1">
         <a:lnSpc>
           <a:spcPct val="90000"/>
         </a:lnSpc>
         <a:spcBef>
-          <a:spcPts val="500"/>
+          <a:spcPts val="375"/>
         </a:spcBef>
         <a:buFont typeface="Arial" panose="020B0604020202020204" pitchFamily="34" charset="0"/>
         <a:buChar char="•"/>
-        <a:defRPr sz="1800" kern="1200">
+        <a:defRPr sz="1350" kern="1200">
           <a:solidFill>
             <a:schemeClr val="tx1"/>
           </a:solidFill>
@@ -3209,8 +2859,8 @@
       <a:defPPr>
         <a:defRPr lang="en-US"/>
       </a:defPPr>
-      <a:lvl1pPr marL="0" algn="l" defTabSz="914400" rtl="0" eaLnBrk="1" latinLnBrk="0" hangingPunct="1">
-        <a:defRPr sz="1800" kern="1200">
+      <a:lvl1pPr marL="0" algn="l" defTabSz="685800" rtl="0" eaLnBrk="1" latinLnBrk="0" hangingPunct="1">
+        <a:defRPr sz="1350" kern="1200">
           <a:solidFill>
             <a:schemeClr val="tx1"/>
           </a:solidFill>
@@ -3219,8 +2869,8 @@
           <a:cs typeface="+mn-cs"/>
         </a:defRPr>
       </a:lvl1pPr>
-      <a:lvl2pPr marL="457200" algn="l" defTabSz="914400" rtl="0" eaLnBrk="1" latinLnBrk="0" hangingPunct="1">
-        <a:defRPr sz="1800" kern="1200">
+      <a:lvl2pPr marL="342900" algn="l" defTabSz="685800" rtl="0" eaLnBrk="1" latinLnBrk="0" hangingPunct="1">
+        <a:defRPr sz="1350" kern="1200">
           <a:solidFill>
             <a:schemeClr val="tx1"/>
           </a:solidFill>
@@ -3229,8 +2879,8 @@
           <a:cs typeface="+mn-cs"/>
         </a:defRPr>
       </a:lvl2pPr>
-      <a:lvl3pPr marL="914400" algn="l" defTabSz="914400" rtl="0" eaLnBrk="1" latinLnBrk="0" hangingPunct="1">
-        <a:defRPr sz="1800" kern="1200">
+      <a:lvl3pPr marL="685800" algn="l" defTabSz="685800" rtl="0" eaLnBrk="1" latinLnBrk="0" hangingPunct="1">
+        <a:defRPr sz="1350" kern="1200">
           <a:solidFill>
             <a:schemeClr val="tx1"/>
           </a:solidFill>
@@ -3239,8 +2889,8 @@
           <a:cs typeface="+mn-cs"/>
         </a:defRPr>
       </a:lvl3pPr>
-      <a:lvl4pPr marL="1371600" algn="l" defTabSz="914400" rtl="0" eaLnBrk="1" latinLnBrk="0" hangingPunct="1">
-        <a:defRPr sz="1800" kern="1200">
+      <a:lvl4pPr marL="1028700" algn="l" defTabSz="685800" rtl="0" eaLnBrk="1" latinLnBrk="0" hangingPunct="1">
+        <a:defRPr sz="1350" kern="1200">
           <a:solidFill>
             <a:schemeClr val="tx1"/>
           </a:solidFill>
@@ -3249,8 +2899,8 @@
           <a:cs typeface="+mn-cs"/>
         </a:defRPr>
       </a:lvl4pPr>
-      <a:lvl5pPr marL="1828800" algn="l" defTabSz="914400" rtl="0" eaLnBrk="1" latinLnBrk="0" hangingPunct="1">
-        <a:defRPr sz="1800" kern="1200">
+      <a:lvl5pPr marL="1371600" algn="l" defTabSz="685800" rtl="0" eaLnBrk="1" latinLnBrk="0" hangingPunct="1">
+        <a:defRPr sz="1350" kern="1200">
           <a:solidFill>
             <a:schemeClr val="tx1"/>
           </a:solidFill>
@@ -3259,8 +2909,8 @@
           <a:cs typeface="+mn-cs"/>
         </a:defRPr>
       </a:lvl5pPr>
-      <a:lvl6pPr marL="2286000" algn="l" defTabSz="914400" rtl="0" eaLnBrk="1" latinLnBrk="0" hangingPunct="1">
-        <a:defRPr sz="1800" kern="1200">
+      <a:lvl6pPr marL="1714500" algn="l" defTabSz="685800" rtl="0" eaLnBrk="1" latinLnBrk="0" hangingPunct="1">
+        <a:defRPr sz="1350" kern="1200">
           <a:solidFill>
             <a:schemeClr val="tx1"/>
           </a:solidFill>
@@ -3269,8 +2919,8 @@
           <a:cs typeface="+mn-cs"/>
         </a:defRPr>
       </a:lvl6pPr>
-      <a:lvl7pPr marL="2743200" algn="l" defTabSz="914400" rtl="0" eaLnBrk="1" latinLnBrk="0" hangingPunct="1">
-        <a:defRPr sz="1800" kern="1200">
+      <a:lvl7pPr marL="2057400" algn="l" defTabSz="685800" rtl="0" eaLnBrk="1" latinLnBrk="0" hangingPunct="1">
+        <a:defRPr sz="1350" kern="1200">
           <a:solidFill>
             <a:schemeClr val="tx1"/>
           </a:solidFill>
@@ -3279,8 +2929,8 @@
           <a:cs typeface="+mn-cs"/>
         </a:defRPr>
       </a:lvl7pPr>
-      <a:lvl8pPr marL="3200400" algn="l" defTabSz="914400" rtl="0" eaLnBrk="1" latinLnBrk="0" hangingPunct="1">
-        <a:defRPr sz="1800" kern="1200">
+      <a:lvl8pPr marL="2400300" algn="l" defTabSz="685800" rtl="0" eaLnBrk="1" latinLnBrk="0" hangingPunct="1">
+        <a:defRPr sz="1350" kern="1200">
           <a:solidFill>
             <a:schemeClr val="tx1"/>
           </a:solidFill>
@@ -3289,8 +2939,8 @@
           <a:cs typeface="+mn-cs"/>
         </a:defRPr>
       </a:lvl8pPr>
-      <a:lvl9pPr marL="3657600" algn="l" defTabSz="914400" rtl="0" eaLnBrk="1" latinLnBrk="0" hangingPunct="1">
-        <a:defRPr sz="1800" kern="1200">
+      <a:lvl9pPr marL="2743200" algn="l" defTabSz="685800" rtl="0" eaLnBrk="1" latinLnBrk="0" hangingPunct="1">
+        <a:defRPr sz="1350" kern="1200">
           <a:solidFill>
             <a:schemeClr val="tx1"/>
           </a:solidFill>
@@ -3323,10 +2973,10 @@
       </p:grpSpPr>
       <p:pic>
         <p:nvPicPr>
-          <p:cNvPr id="5" name="Picture 4">
+          <p:cNvPr id="3" name="Picture 2">
             <a:extLst>
               <a:ext uri="{FF2B5EF4-FFF2-40B4-BE49-F238E27FC236}">
-                <a16:creationId xmlns:a16="http://schemas.microsoft.com/office/drawing/2014/main" id="{CB5CB6A7-8923-7E40-AECB-523F584B4E71}"/>
+                <a16:creationId xmlns:a16="http://schemas.microsoft.com/office/drawing/2014/main" id="{6F1E8C41-1C7D-1D47-8ECF-62C29C08149F}"/>
               </a:ext>
             </a:extLst>
           </p:cNvPr>
@@ -3335,46 +2985,15 @@
           </p:cNvPicPr>
           <p:nvPr/>
         </p:nvPicPr>
-        <p:blipFill>
+        <p:blipFill rotWithShape="1">
           <a:blip r:embed="rId2"/>
-          <a:stretch>
-            <a:fillRect/>
-          </a:stretch>
+          <a:srcRect r="28845"/>
+          <a:stretch/>
         </p:blipFill>
         <p:spPr>
           <a:xfrm>
-            <a:off x="264160" y="1722120"/>
-            <a:ext cx="5799667" cy="3479800"/>
-          </a:xfrm>
-          <a:prstGeom prst="rect">
-            <a:avLst/>
-          </a:prstGeom>
-        </p:spPr>
-      </p:pic>
-      <p:pic>
-        <p:nvPicPr>
-          <p:cNvPr id="7" name="Picture 6">
-            <a:extLst>
-              <a:ext uri="{FF2B5EF4-FFF2-40B4-BE49-F238E27FC236}">
-                <a16:creationId xmlns:a16="http://schemas.microsoft.com/office/drawing/2014/main" id="{F72042FF-8200-4D47-91C0-F64BD3DD9DCC}"/>
-              </a:ext>
-            </a:extLst>
-          </p:cNvPr>
-          <p:cNvPicPr>
-            <a:picLocks noChangeAspect="1"/>
-          </p:cNvPicPr>
-          <p:nvPr/>
-        </p:nvPicPr>
-        <p:blipFill>
-          <a:blip r:embed="rId3"/>
-          <a:stretch>
-            <a:fillRect/>
-          </a:stretch>
-        </p:blipFill>
-        <p:spPr>
-          <a:xfrm>
-            <a:off x="6896947" y="1717282"/>
-            <a:ext cx="4878493" cy="3484638"/>
+            <a:off x="164926" y="2375393"/>
+            <a:ext cx="4249811" cy="2986316"/>
           </a:xfrm>
           <a:prstGeom prst="rect">
             <a:avLst/>
@@ -3395,8 +3014,8 @@
         </p:nvSpPr>
         <p:spPr>
           <a:xfrm>
-            <a:off x="162370" y="1162228"/>
-            <a:ext cx="564022" cy="461665"/>
+            <a:off x="20214" y="1587343"/>
+            <a:ext cx="752029" cy="584775"/>
           </a:xfrm>
           <a:prstGeom prst="rect">
             <a:avLst/>
@@ -3410,7 +3029,7 @@
           <a:lstStyle/>
           <a:p>
             <a:r>
-              <a:rPr lang="en-US" sz="2400" b="1" dirty="0"/>
+              <a:rPr lang="en-US" sz="3200" b="1" dirty="0"/>
               <a:t>A</a:t>
             </a:r>
           </a:p>
@@ -3430,8 +3049,8 @@
         </p:nvSpPr>
         <p:spPr>
           <a:xfrm>
-            <a:off x="6818120" y="1162228"/>
-            <a:ext cx="564022" cy="461665"/>
+            <a:off x="-22555" y="5046436"/>
+            <a:ext cx="752029" cy="584775"/>
           </a:xfrm>
           <a:prstGeom prst="rect">
             <a:avLst/>
@@ -3445,8 +3064,239 @@
           <a:lstStyle/>
           <a:p>
             <a:r>
-              <a:rPr lang="en-US" sz="2400" b="1" dirty="0"/>
+              <a:rPr lang="en-US" sz="3200" b="1" dirty="0"/>
               <a:t>B</a:t>
+            </a:r>
+          </a:p>
+        </p:txBody>
+      </p:sp>
+      <p:pic>
+        <p:nvPicPr>
+          <p:cNvPr id="6" name="Picture 5">
+            <a:extLst>
+              <a:ext uri="{FF2B5EF4-FFF2-40B4-BE49-F238E27FC236}">
+                <a16:creationId xmlns:a16="http://schemas.microsoft.com/office/drawing/2014/main" id="{8DEC333D-8E5D-0F4C-8973-45434917A20C}"/>
+              </a:ext>
+            </a:extLst>
+          </p:cNvPr>
+          <p:cNvPicPr>
+            <a:picLocks noChangeAspect="1"/>
+          </p:cNvPicPr>
+          <p:nvPr/>
+        </p:nvPicPr>
+        <p:blipFill rotWithShape="1">
+          <a:blip r:embed="rId3"/>
+          <a:srcRect r="22626"/>
+          <a:stretch/>
+        </p:blipFill>
+        <p:spPr>
+          <a:xfrm>
+            <a:off x="164926" y="5768258"/>
+            <a:ext cx="5951674" cy="2833915"/>
+          </a:xfrm>
+          <a:prstGeom prst="rect">
+            <a:avLst/>
+          </a:prstGeom>
+        </p:spPr>
+      </p:pic>
+      <p:pic>
+        <p:nvPicPr>
+          <p:cNvPr id="10" name="Picture 9">
+            <a:extLst>
+              <a:ext uri="{FF2B5EF4-FFF2-40B4-BE49-F238E27FC236}">
+                <a16:creationId xmlns:a16="http://schemas.microsoft.com/office/drawing/2014/main" id="{2205F96B-0633-8B49-92F6-3316094C5EEF}"/>
+              </a:ext>
+            </a:extLst>
+          </p:cNvPr>
+          <p:cNvPicPr>
+            <a:picLocks noChangeAspect="1"/>
+          </p:cNvPicPr>
+          <p:nvPr/>
+        </p:nvPicPr>
+        <p:blipFill rotWithShape="1">
+          <a:blip r:embed="rId2"/>
+          <a:srcRect l="76778"/>
+          <a:stretch/>
+        </p:blipFill>
+        <p:spPr>
+          <a:xfrm>
+            <a:off x="4602218" y="2504907"/>
+            <a:ext cx="1316181" cy="2833916"/>
+          </a:xfrm>
+          <a:prstGeom prst="rect">
+            <a:avLst/>
+          </a:prstGeom>
+        </p:spPr>
+      </p:pic>
+      <p:sp>
+        <p:nvSpPr>
+          <p:cNvPr id="11" name="Right Bracket 10">
+            <a:extLst>
+              <a:ext uri="{FF2B5EF4-FFF2-40B4-BE49-F238E27FC236}">
+                <a16:creationId xmlns:a16="http://schemas.microsoft.com/office/drawing/2014/main" id="{9DCD9F82-7F3E-A843-B32F-4884CD35409E}"/>
+              </a:ext>
+            </a:extLst>
+          </p:cNvPr>
+          <p:cNvSpPr/>
+          <p:nvPr/>
+        </p:nvSpPr>
+        <p:spPr>
+          <a:xfrm>
+            <a:off x="5845794" y="2899265"/>
+            <a:ext cx="145209" cy="510139"/>
+          </a:xfrm>
+          <a:prstGeom prst="rightBracket">
+            <a:avLst/>
+          </a:prstGeom>
+          <a:ln w="28575">
+            <a:solidFill>
+              <a:schemeClr val="tx1"/>
+            </a:solidFill>
+          </a:ln>
+        </p:spPr>
+        <p:style>
+          <a:lnRef idx="1">
+            <a:schemeClr val="accent1"/>
+          </a:lnRef>
+          <a:fillRef idx="0">
+            <a:schemeClr val="accent1"/>
+          </a:fillRef>
+          <a:effectRef idx="0">
+            <a:schemeClr val="accent1"/>
+          </a:effectRef>
+          <a:fontRef idx="minor">
+            <a:schemeClr val="tx1"/>
+          </a:fontRef>
+        </p:style>
+        <p:txBody>
+          <a:bodyPr rtlCol="0" anchor="ctr"/>
+          <a:lstStyle/>
+          <a:p>
+            <a:pPr algn="ctr"/>
+            <a:endParaRPr lang="en-US"/>
+          </a:p>
+        </p:txBody>
+      </p:sp>
+      <p:sp>
+        <p:nvSpPr>
+          <p:cNvPr id="12" name="Right Bracket 11">
+            <a:extLst>
+              <a:ext uri="{FF2B5EF4-FFF2-40B4-BE49-F238E27FC236}">
+                <a16:creationId xmlns:a16="http://schemas.microsoft.com/office/drawing/2014/main" id="{3D173879-2FE9-6A46-87AF-1466D1DE0FF5}"/>
+              </a:ext>
+            </a:extLst>
+          </p:cNvPr>
+          <p:cNvSpPr/>
+          <p:nvPr/>
+        </p:nvSpPr>
+        <p:spPr>
+          <a:xfrm>
+            <a:off x="5845794" y="3477928"/>
+            <a:ext cx="145209" cy="1301015"/>
+          </a:xfrm>
+          <a:prstGeom prst="rightBracket">
+            <a:avLst/>
+          </a:prstGeom>
+          <a:ln w="28575">
+            <a:solidFill>
+              <a:schemeClr val="tx1"/>
+            </a:solidFill>
+          </a:ln>
+        </p:spPr>
+        <p:style>
+          <a:lnRef idx="1">
+            <a:schemeClr val="accent1"/>
+          </a:lnRef>
+          <a:fillRef idx="0">
+            <a:schemeClr val="accent1"/>
+          </a:fillRef>
+          <a:effectRef idx="0">
+            <a:schemeClr val="accent1"/>
+          </a:effectRef>
+          <a:fontRef idx="minor">
+            <a:schemeClr val="tx1"/>
+          </a:fontRef>
+        </p:style>
+        <p:txBody>
+          <a:bodyPr rtlCol="0" anchor="ctr"/>
+          <a:lstStyle/>
+          <a:p>
+            <a:pPr algn="ctr"/>
+            <a:endParaRPr lang="en-US"/>
+          </a:p>
+        </p:txBody>
+      </p:sp>
+      <p:sp>
+        <p:nvSpPr>
+          <p:cNvPr id="13" name="TextBox 12">
+            <a:extLst>
+              <a:ext uri="{FF2B5EF4-FFF2-40B4-BE49-F238E27FC236}">
+                <a16:creationId xmlns:a16="http://schemas.microsoft.com/office/drawing/2014/main" id="{D1A10BA3-060F-D74C-91E0-2F887E24E4AD}"/>
+              </a:ext>
+            </a:extLst>
+          </p:cNvPr>
+          <p:cNvSpPr txBox="1"/>
+          <p:nvPr/>
+        </p:nvSpPr>
+        <p:spPr>
+          <a:xfrm>
+            <a:off x="5991003" y="3020738"/>
+            <a:ext cx="920445" cy="1277273"/>
+          </a:xfrm>
+          <a:prstGeom prst="rect">
+            <a:avLst/>
+          </a:prstGeom>
+          <a:noFill/>
+        </p:spPr>
+        <p:txBody>
+          <a:bodyPr wrap="none" rtlCol="0">
+            <a:spAutoFit/>
+          </a:bodyPr>
+          <a:lstStyle/>
+          <a:p>
+            <a:r>
+              <a:rPr lang="en-US" sz="1050" dirty="0">
+                <a:latin typeface="Helvetica" pitchFamily="2" charset="0"/>
+              </a:rPr>
+              <a:t>Holocentric</a:t>
+            </a:r>
+          </a:p>
+          <a:p>
+            <a:endParaRPr lang="en-US" sz="1050" dirty="0">
+              <a:latin typeface="Helvetica" pitchFamily="2" charset="0"/>
+            </a:endParaRPr>
+          </a:p>
+          <a:p>
+            <a:endParaRPr lang="en-US" sz="1050" dirty="0">
+              <a:latin typeface="Helvetica" pitchFamily="2" charset="0"/>
+            </a:endParaRPr>
+          </a:p>
+          <a:p>
+            <a:endParaRPr lang="en-US" sz="1050" dirty="0">
+              <a:latin typeface="Helvetica" pitchFamily="2" charset="0"/>
+            </a:endParaRPr>
+          </a:p>
+          <a:p>
+            <a:endParaRPr lang="en-US" sz="700" dirty="0">
+              <a:latin typeface="Helvetica" pitchFamily="2" charset="0"/>
+            </a:endParaRPr>
+          </a:p>
+          <a:p>
+            <a:endParaRPr lang="en-US" sz="600" dirty="0">
+              <a:latin typeface="Helvetica" pitchFamily="2" charset="0"/>
+            </a:endParaRPr>
+          </a:p>
+          <a:p>
+            <a:endParaRPr lang="en-US" sz="1100" dirty="0">
+              <a:latin typeface="Helvetica" pitchFamily="2" charset="0"/>
+            </a:endParaRPr>
+          </a:p>
+          <a:p>
+            <a:r>
+              <a:rPr lang="en-US" sz="1050" dirty="0">
+                <a:latin typeface="Helvetica" pitchFamily="2" charset="0"/>
+              </a:rPr>
+              <a:t>Monocentric</a:t>
             </a:r>
           </a:p>
         </p:txBody>
@@ -3467,7 +3317,7 @@
 <file path=ppt/theme/theme1.xml><?xml version="1.0" encoding="utf-8"?>
 <a:theme xmlns:a="http://schemas.openxmlformats.org/drawingml/2006/main" name="Office Theme">
   <a:themeElements>
-    <a:clrScheme name="Office">
+    <a:clrScheme name="Office Theme">
       <a:dk1>
         <a:sysClr val="windowText" lastClr="000000"/>
       </a:dk1>
@@ -3505,7 +3355,7 @@
         <a:srgbClr val="954F72"/>
       </a:folHlink>
     </a:clrScheme>
-    <a:fontScheme name="Office">
+    <a:fontScheme name="Office Theme">
       <a:majorFont>
         <a:latin typeface="Calibri Light" panose="020F0302020204030204"/>
         <a:ea typeface=""/>
@@ -3540,23 +3390,6 @@
         <a:font script="Viet" typeface="Times New Roman"/>
         <a:font script="Uigh" typeface="Microsoft Uighur"/>
         <a:font script="Geor" typeface="Sylfaen"/>
-        <a:font script="Armn" typeface="Arial"/>
-        <a:font script="Bugi" typeface="Leelawadee UI"/>
-        <a:font script="Bopo" typeface="Microsoft JhengHei"/>
-        <a:font script="Java" typeface="Javanese Text"/>
-        <a:font script="Lisu" typeface="Segoe UI"/>
-        <a:font script="Mymr" typeface="Myanmar Text"/>
-        <a:font script="Nkoo" typeface="Ebrima"/>
-        <a:font script="Olck" typeface="Nirmala UI"/>
-        <a:font script="Osma" typeface="Ebrima"/>
-        <a:font script="Phag" typeface="Phagspa"/>
-        <a:font script="Syrn" typeface="Estrangelo Edessa"/>
-        <a:font script="Syrj" typeface="Estrangelo Edessa"/>
-        <a:font script="Syre" typeface="Estrangelo Edessa"/>
-        <a:font script="Sora" typeface="Nirmala UI"/>
-        <a:font script="Tale" typeface="Microsoft Tai Le"/>
-        <a:font script="Talu" typeface="Microsoft New Tai Lue"/>
-        <a:font script="Tfng" typeface="Ebrima"/>
       </a:majorFont>
       <a:minorFont>
         <a:latin typeface="Calibri" panose="020F0502020204030204"/>
@@ -3592,26 +3425,9 @@
         <a:font script="Viet" typeface="Arial"/>
         <a:font script="Uigh" typeface="Microsoft Uighur"/>
         <a:font script="Geor" typeface="Sylfaen"/>
-        <a:font script="Armn" typeface="Arial"/>
-        <a:font script="Bugi" typeface="Leelawadee UI"/>
-        <a:font script="Bopo" typeface="Microsoft JhengHei"/>
-        <a:font script="Java" typeface="Javanese Text"/>
-        <a:font script="Lisu" typeface="Segoe UI"/>
-        <a:font script="Mymr" typeface="Myanmar Text"/>
-        <a:font script="Nkoo" typeface="Ebrima"/>
-        <a:font script="Olck" typeface="Nirmala UI"/>
-        <a:font script="Osma" typeface="Ebrima"/>
-        <a:font script="Phag" typeface="Phagspa"/>
-        <a:font script="Syrn" typeface="Estrangelo Edessa"/>
-        <a:font script="Syrj" typeface="Estrangelo Edessa"/>
-        <a:font script="Syre" typeface="Estrangelo Edessa"/>
-        <a:font script="Sora" typeface="Nirmala UI"/>
-        <a:font script="Tale" typeface="Microsoft Tai Le"/>
-        <a:font script="Talu" typeface="Microsoft New Tai Lue"/>
-        <a:font script="Tfng" typeface="Ebrima"/>
       </a:minorFont>
     </a:fontScheme>
-    <a:fmtScheme name="Office">
+    <a:fmtScheme name="Office Theme">
       <a:fillStyleLst>
         <a:solidFill>
           <a:schemeClr val="phClr"/>

--- a/figures/Figure 2.pptx
+++ b/figures/Figure 2.pptx
@@ -243,7 +243,7 @@
           <a:p>
             <a:fld id="{1003A46B-F994-5B40-B551-F7E9923C46F9}" type="datetimeFigureOut">
               <a:rPr lang="en-US" smtClean="0"/>
-              <a:t>4/21/20</a:t>
+              <a:t>4/21/2020</a:t>
             </a:fld>
             <a:endParaRPr lang="en-US"/>
           </a:p>
@@ -413,7 +413,7 @@
           <a:p>
             <a:fld id="{1003A46B-F994-5B40-B551-F7E9923C46F9}" type="datetimeFigureOut">
               <a:rPr lang="en-US" smtClean="0"/>
-              <a:t>4/21/20</a:t>
+              <a:t>4/21/2020</a:t>
             </a:fld>
             <a:endParaRPr lang="en-US"/>
           </a:p>
@@ -593,7 +593,7 @@
           <a:p>
             <a:fld id="{1003A46B-F994-5B40-B551-F7E9923C46F9}" type="datetimeFigureOut">
               <a:rPr lang="en-US" smtClean="0"/>
-              <a:t>4/21/20</a:t>
+              <a:t>4/21/2020</a:t>
             </a:fld>
             <a:endParaRPr lang="en-US"/>
           </a:p>
@@ -763,7 +763,7 @@
           <a:p>
             <a:fld id="{1003A46B-F994-5B40-B551-F7E9923C46F9}" type="datetimeFigureOut">
               <a:rPr lang="en-US" smtClean="0"/>
-              <a:t>4/21/20</a:t>
+              <a:t>4/21/2020</a:t>
             </a:fld>
             <a:endParaRPr lang="en-US"/>
           </a:p>
@@ -1007,7 +1007,7 @@
           <a:p>
             <a:fld id="{1003A46B-F994-5B40-B551-F7E9923C46F9}" type="datetimeFigureOut">
               <a:rPr lang="en-US" smtClean="0"/>
-              <a:t>4/21/20</a:t>
+              <a:t>4/21/2020</a:t>
             </a:fld>
             <a:endParaRPr lang="en-US"/>
           </a:p>
@@ -1239,7 +1239,7 @@
           <a:p>
             <a:fld id="{1003A46B-F994-5B40-B551-F7E9923C46F9}" type="datetimeFigureOut">
               <a:rPr lang="en-US" smtClean="0"/>
-              <a:t>4/21/20</a:t>
+              <a:t>4/21/2020</a:t>
             </a:fld>
             <a:endParaRPr lang="en-US"/>
           </a:p>
@@ -1606,7 +1606,7 @@
           <a:p>
             <a:fld id="{1003A46B-F994-5B40-B551-F7E9923C46F9}" type="datetimeFigureOut">
               <a:rPr lang="en-US" smtClean="0"/>
-              <a:t>4/21/20</a:t>
+              <a:t>4/21/2020</a:t>
             </a:fld>
             <a:endParaRPr lang="en-US"/>
           </a:p>
@@ -1724,7 +1724,7 @@
           <a:p>
             <a:fld id="{1003A46B-F994-5B40-B551-F7E9923C46F9}" type="datetimeFigureOut">
               <a:rPr lang="en-US" smtClean="0"/>
-              <a:t>4/21/20</a:t>
+              <a:t>4/21/2020</a:t>
             </a:fld>
             <a:endParaRPr lang="en-US"/>
           </a:p>
@@ -1819,7 +1819,7 @@
           <a:p>
             <a:fld id="{1003A46B-F994-5B40-B551-F7E9923C46F9}" type="datetimeFigureOut">
               <a:rPr lang="en-US" smtClean="0"/>
-              <a:t>4/21/20</a:t>
+              <a:t>4/21/2020</a:t>
             </a:fld>
             <a:endParaRPr lang="en-US"/>
           </a:p>
@@ -2096,7 +2096,7 @@
           <a:p>
             <a:fld id="{1003A46B-F994-5B40-B551-F7E9923C46F9}" type="datetimeFigureOut">
               <a:rPr lang="en-US" smtClean="0"/>
-              <a:t>4/21/20</a:t>
+              <a:t>4/21/2020</a:t>
             </a:fld>
             <a:endParaRPr lang="en-US"/>
           </a:p>
@@ -2353,7 +2353,7 @@
           <a:p>
             <a:fld id="{1003A46B-F994-5B40-B551-F7E9923C46F9}" type="datetimeFigureOut">
               <a:rPr lang="en-US" smtClean="0"/>
-              <a:t>4/21/20</a:t>
+              <a:t>4/21/2020</a:t>
             </a:fld>
             <a:endParaRPr lang="en-US"/>
           </a:p>
@@ -2566,7 +2566,7 @@
           <a:p>
             <a:fld id="{1003A46B-F994-5B40-B551-F7E9923C46F9}" type="datetimeFigureOut">
               <a:rPr lang="en-US" smtClean="0"/>
-              <a:t>4/21/20</a:t>
+              <a:t>4/21/2020</a:t>
             </a:fld>
             <a:endParaRPr lang="en-US"/>
           </a:p>
@@ -3014,8 +3014,8 @@
         </p:nvSpPr>
         <p:spPr>
           <a:xfrm>
-            <a:off x="20214" y="1587343"/>
-            <a:ext cx="752029" cy="584775"/>
+            <a:off x="20214" y="1942696"/>
+            <a:ext cx="752029" cy="400110"/>
           </a:xfrm>
           <a:prstGeom prst="rect">
             <a:avLst/>
@@ -3029,7 +3029,10 @@
           <a:lstStyle/>
           <a:p>
             <a:r>
-              <a:rPr lang="en-US" sz="3200" b="1" dirty="0"/>
+              <a:rPr lang="en-US" sz="2000" b="1" dirty="0">
+                <a:latin typeface="Helvetica" panose="020B0604020202020204" pitchFamily="34" charset="0"/>
+                <a:cs typeface="Helvetica" panose="020B0604020202020204" pitchFamily="34" charset="0"/>
+              </a:rPr>
               <a:t>A</a:t>
             </a:r>
           </a:p>
@@ -3049,8 +3052,8 @@
         </p:nvSpPr>
         <p:spPr>
           <a:xfrm>
-            <a:off x="-22555" y="5046436"/>
-            <a:ext cx="752029" cy="584775"/>
+            <a:off x="20213" y="5338823"/>
+            <a:ext cx="752029" cy="400110"/>
           </a:xfrm>
           <a:prstGeom prst="rect">
             <a:avLst/>
@@ -3064,7 +3067,10 @@
           <a:lstStyle/>
           <a:p>
             <a:r>
-              <a:rPr lang="en-US" sz="3200" b="1" dirty="0"/>
+              <a:rPr lang="en-US" sz="2000" b="1" dirty="0">
+                <a:latin typeface="Helvetica" panose="020B0604020202020204" pitchFamily="34" charset="0"/>
+                <a:cs typeface="Helvetica" panose="020B0604020202020204" pitchFamily="34" charset="0"/>
+              </a:rPr>
               <a:t>B</a:t>
             </a:r>
           </a:p>
